--- a/docs/VulnManagementArchDiagrams.pptx
+++ b/docs/VulnManagementArchDiagrams.pptx
@@ -106,6 +106,11 @@
       </a:defRPr>
     </a:lvl9pPr>
   </p:defaultTextStyle>
+  <p:extLst>
+    <p:ext uri="{EFAFB233-063F-42B5-8137-9DF3F51BA10A}">
+      <p15:sldGuideLst xmlns:p15="http://schemas.microsoft.com/office/powerpoint/2012/main"/>
+    </p:ext>
+  </p:extLst>
 </p:presentation>
 </file>
 
@@ -256,7 +261,7 @@
           <a:p>
             <a:fld id="{29CC31DE-A2F5-6042-8A1F-0D10F40F4FDE}" type="datetimeFigureOut">
               <a:rPr lang="en-US" smtClean="0"/>
-              <a:t>6/26/19</a:t>
+              <a:t>7/1/19</a:t>
             </a:fld>
             <a:endParaRPr lang="en-US"/>
           </a:p>
@@ -454,7 +459,7 @@
           <a:p>
             <a:fld id="{29CC31DE-A2F5-6042-8A1F-0D10F40F4FDE}" type="datetimeFigureOut">
               <a:rPr lang="en-US" smtClean="0"/>
-              <a:t>6/26/19</a:t>
+              <a:t>7/1/19</a:t>
             </a:fld>
             <a:endParaRPr lang="en-US"/>
           </a:p>
@@ -662,7 +667,7 @@
           <a:p>
             <a:fld id="{29CC31DE-A2F5-6042-8A1F-0D10F40F4FDE}" type="datetimeFigureOut">
               <a:rPr lang="en-US" smtClean="0"/>
-              <a:t>6/26/19</a:t>
+              <a:t>7/1/19</a:t>
             </a:fld>
             <a:endParaRPr lang="en-US"/>
           </a:p>
@@ -860,7 +865,7 @@
           <a:p>
             <a:fld id="{29CC31DE-A2F5-6042-8A1F-0D10F40F4FDE}" type="datetimeFigureOut">
               <a:rPr lang="en-US" smtClean="0"/>
-              <a:t>6/26/19</a:t>
+              <a:t>7/1/19</a:t>
             </a:fld>
             <a:endParaRPr lang="en-US"/>
           </a:p>
@@ -1135,7 +1140,7 @@
           <a:p>
             <a:fld id="{29CC31DE-A2F5-6042-8A1F-0D10F40F4FDE}" type="datetimeFigureOut">
               <a:rPr lang="en-US" smtClean="0"/>
-              <a:t>6/26/19</a:t>
+              <a:t>7/1/19</a:t>
             </a:fld>
             <a:endParaRPr lang="en-US"/>
           </a:p>
@@ -1400,7 +1405,7 @@
           <a:p>
             <a:fld id="{29CC31DE-A2F5-6042-8A1F-0D10F40F4FDE}" type="datetimeFigureOut">
               <a:rPr lang="en-US" smtClean="0"/>
-              <a:t>6/26/19</a:t>
+              <a:t>7/1/19</a:t>
             </a:fld>
             <a:endParaRPr lang="en-US"/>
           </a:p>
@@ -1812,7 +1817,7 @@
           <a:p>
             <a:fld id="{29CC31DE-A2F5-6042-8A1F-0D10F40F4FDE}" type="datetimeFigureOut">
               <a:rPr lang="en-US" smtClean="0"/>
-              <a:t>6/26/19</a:t>
+              <a:t>7/1/19</a:t>
             </a:fld>
             <a:endParaRPr lang="en-US"/>
           </a:p>
@@ -1953,7 +1958,7 @@
           <a:p>
             <a:fld id="{29CC31DE-A2F5-6042-8A1F-0D10F40F4FDE}" type="datetimeFigureOut">
               <a:rPr lang="en-US" smtClean="0"/>
-              <a:t>6/26/19</a:t>
+              <a:t>7/1/19</a:t>
             </a:fld>
             <a:endParaRPr lang="en-US"/>
           </a:p>
@@ -2066,7 +2071,7 @@
           <a:p>
             <a:fld id="{29CC31DE-A2F5-6042-8A1F-0D10F40F4FDE}" type="datetimeFigureOut">
               <a:rPr lang="en-US" smtClean="0"/>
-              <a:t>6/26/19</a:t>
+              <a:t>7/1/19</a:t>
             </a:fld>
             <a:endParaRPr lang="en-US"/>
           </a:p>
@@ -2377,7 +2382,7 @@
           <a:p>
             <a:fld id="{29CC31DE-A2F5-6042-8A1F-0D10F40F4FDE}" type="datetimeFigureOut">
               <a:rPr lang="en-US" smtClean="0"/>
-              <a:t>6/26/19</a:t>
+              <a:t>7/1/19</a:t>
             </a:fld>
             <a:endParaRPr lang="en-US"/>
           </a:p>
@@ -2665,7 +2670,7 @@
           <a:p>
             <a:fld id="{29CC31DE-A2F5-6042-8A1F-0D10F40F4FDE}" type="datetimeFigureOut">
               <a:rPr lang="en-US" smtClean="0"/>
-              <a:t>6/26/19</a:t>
+              <a:t>7/1/19</a:t>
             </a:fld>
             <a:endParaRPr lang="en-US"/>
           </a:p>
@@ -2906,7 +2911,7 @@
           <a:p>
             <a:fld id="{29CC31DE-A2F5-6042-8A1F-0D10F40F4FDE}" type="datetimeFigureOut">
               <a:rPr lang="en-US" smtClean="0"/>
-              <a:t>6/26/19</a:t>
+              <a:t>7/1/19</a:t>
             </a:fld>
             <a:endParaRPr lang="en-US"/>
           </a:p>
@@ -9458,6 +9463,1814 @@
           <a:chExt cx="0" cy="0"/>
         </a:xfrm>
       </p:grpSpPr>
+      <p:pic>
+        <p:nvPicPr>
+          <p:cNvPr id="2" name="Graphic 1">
+            <a:extLst>
+              <a:ext uri="{FF2B5EF4-FFF2-40B4-BE49-F238E27FC236}">
+                <a16:creationId xmlns:a16="http://schemas.microsoft.com/office/drawing/2014/main" id="{3179287D-DA8A-2545-B1D5-38E3F1B20687}"/>
+              </a:ext>
+            </a:extLst>
+          </p:cNvPr>
+          <p:cNvPicPr>
+            <a:picLocks noChangeAspect="1"/>
+          </p:cNvPicPr>
+          <p:nvPr/>
+        </p:nvPicPr>
+        <p:blipFill>
+          <a:blip r:embed="rId2">
+            <a:extLst>
+              <a:ext uri="{96DAC541-7B7A-43D3-8B79-37D633B846F1}">
+                <asvg:svgBlip xmlns:asvg="http://schemas.microsoft.com/office/drawing/2016/SVG/main" r:embed="rId3"/>
+              </a:ext>
+            </a:extLst>
+          </a:blip>
+          <a:stretch>
+            <a:fillRect/>
+          </a:stretch>
+        </p:blipFill>
+        <p:spPr>
+          <a:xfrm flipH="1">
+            <a:off x="2373889" y="-16283"/>
+            <a:ext cx="941032" cy="914400"/>
+          </a:xfrm>
+          <a:prstGeom prst="rect">
+            <a:avLst/>
+          </a:prstGeom>
+        </p:spPr>
+      </p:pic>
+      <p:sp>
+        <p:nvSpPr>
+          <p:cNvPr id="3" name="Rectangle 2">
+            <a:extLst>
+              <a:ext uri="{FF2B5EF4-FFF2-40B4-BE49-F238E27FC236}">
+                <a16:creationId xmlns:a16="http://schemas.microsoft.com/office/drawing/2014/main" id="{2A652135-9FEF-B14B-B3C2-78AEF1D552E3}"/>
+              </a:ext>
+            </a:extLst>
+          </p:cNvPr>
+          <p:cNvSpPr/>
+          <p:nvPr/>
+        </p:nvSpPr>
+        <p:spPr>
+          <a:xfrm>
+            <a:off x="682062" y="2323899"/>
+            <a:ext cx="4481689" cy="4386108"/>
+          </a:xfrm>
+          <a:prstGeom prst="rect">
+            <a:avLst/>
+          </a:prstGeom>
+          <a:noFill/>
+          <a:ln w="12700">
+            <a:solidFill>
+              <a:schemeClr val="tx1"/>
+            </a:solidFill>
+          </a:ln>
+        </p:spPr>
+        <p:style>
+          <a:lnRef idx="2">
+            <a:schemeClr val="accent1">
+              <a:shade val="50000"/>
+            </a:schemeClr>
+          </a:lnRef>
+          <a:fillRef idx="1">
+            <a:schemeClr val="accent1"/>
+          </a:fillRef>
+          <a:effectRef idx="0">
+            <a:schemeClr val="accent1"/>
+          </a:effectRef>
+          <a:fontRef idx="minor">
+            <a:schemeClr val="lt1"/>
+          </a:fontRef>
+        </p:style>
+        <p:txBody>
+          <a:bodyPr rot="0" spcFirstLastPara="0" vertOverflow="overflow" horzOverflow="overflow" vert="horz" wrap="square" lIns="457200" tIns="91440" rIns="91440" bIns="45720" numCol="1" spcCol="0" rtlCol="0" fromWordArt="0" anchor="t" anchorCtr="0" forceAA="0" compatLnSpc="1">
+            <a:prstTxWarp prst="textNoShape">
+              <a:avLst/>
+            </a:prstTxWarp>
+            <a:noAutofit/>
+          </a:bodyPr>
+          <a:lstStyle/>
+          <a:p>
+            <a:pPr algn="ctr"/>
+            <a:endParaRPr lang="en-US" sz="1200" dirty="0">
+              <a:solidFill>
+                <a:sysClr val="windowText" lastClr="000000"/>
+              </a:solidFill>
+            </a:endParaRPr>
+          </a:p>
+        </p:txBody>
+      </p:sp>
+      <p:pic>
+        <p:nvPicPr>
+          <p:cNvPr id="4" name="Graphic 3">
+            <a:extLst>
+              <a:ext uri="{FF2B5EF4-FFF2-40B4-BE49-F238E27FC236}">
+                <a16:creationId xmlns:a16="http://schemas.microsoft.com/office/drawing/2014/main" id="{406DDBB9-4813-0C4A-9E0E-B545783BF8FA}"/>
+              </a:ext>
+            </a:extLst>
+          </p:cNvPr>
+          <p:cNvPicPr>
+            <a:picLocks noChangeAspect="1"/>
+          </p:cNvPicPr>
+          <p:nvPr/>
+        </p:nvPicPr>
+        <p:blipFill>
+          <a:blip r:embed="rId4">
+            <a:extLst>
+              <a:ext uri="{96DAC541-7B7A-43D3-8B79-37D633B846F1}">
+                <asvg:svgBlip xmlns:asvg="http://schemas.microsoft.com/office/drawing/2016/SVG/main" r:embed="rId5"/>
+              </a:ext>
+            </a:extLst>
+          </a:blip>
+          <a:stretch>
+            <a:fillRect/>
+          </a:stretch>
+        </p:blipFill>
+        <p:spPr>
+          <a:xfrm>
+            <a:off x="682063" y="2323899"/>
+            <a:ext cx="457200" cy="457200"/>
+          </a:xfrm>
+          <a:prstGeom prst="rect">
+            <a:avLst/>
+          </a:prstGeom>
+        </p:spPr>
+      </p:pic>
+      <p:sp>
+        <p:nvSpPr>
+          <p:cNvPr id="8" name="Rectangle 7">
+            <a:extLst>
+              <a:ext uri="{FF2B5EF4-FFF2-40B4-BE49-F238E27FC236}">
+                <a16:creationId xmlns:a16="http://schemas.microsoft.com/office/drawing/2014/main" id="{278E3E86-8B4E-A147-9489-442410BDA412}"/>
+              </a:ext>
+            </a:extLst>
+          </p:cNvPr>
+          <p:cNvSpPr/>
+          <p:nvPr/>
+        </p:nvSpPr>
+        <p:spPr>
+          <a:xfrm>
+            <a:off x="910663" y="2984551"/>
+            <a:ext cx="1828800" cy="1763303"/>
+          </a:xfrm>
+          <a:prstGeom prst="rect">
+            <a:avLst/>
+          </a:prstGeom>
+          <a:solidFill>
+            <a:srgbClr val="007CBC">
+              <a:alpha val="9804"/>
+            </a:srgbClr>
+          </a:solidFill>
+          <a:ln w="12700">
+            <a:noFill/>
+            <a:prstDash val="dash"/>
+          </a:ln>
+        </p:spPr>
+        <p:style>
+          <a:lnRef idx="2">
+            <a:schemeClr val="accent1">
+              <a:shade val="50000"/>
+            </a:schemeClr>
+          </a:lnRef>
+          <a:fillRef idx="1">
+            <a:schemeClr val="accent1"/>
+          </a:fillRef>
+          <a:effectRef idx="0">
+            <a:schemeClr val="accent1"/>
+          </a:effectRef>
+          <a:fontRef idx="minor">
+            <a:schemeClr val="lt1"/>
+          </a:fontRef>
+        </p:style>
+        <p:txBody>
+          <a:bodyPr rot="0" spcFirstLastPara="0" vertOverflow="overflow" horzOverflow="overflow" vert="horz" wrap="square" lIns="338328" tIns="45720" rIns="91440" bIns="45720" numCol="1" spcCol="0" rtlCol="0" fromWordArt="0" anchor="t" anchorCtr="0" forceAA="0" compatLnSpc="1">
+            <a:prstTxWarp prst="textNoShape">
+              <a:avLst/>
+            </a:prstTxWarp>
+            <a:noAutofit/>
+          </a:bodyPr>
+          <a:lstStyle/>
+          <a:p>
+            <a:endParaRPr lang="en-US" sz="1200" dirty="0">
+              <a:solidFill>
+                <a:schemeClr val="accent5"/>
+              </a:solidFill>
+            </a:endParaRPr>
+          </a:p>
+        </p:txBody>
+      </p:sp>
+      <p:sp>
+        <p:nvSpPr>
+          <p:cNvPr id="10" name="Rectangle 9">
+            <a:extLst>
+              <a:ext uri="{FF2B5EF4-FFF2-40B4-BE49-F238E27FC236}">
+                <a16:creationId xmlns:a16="http://schemas.microsoft.com/office/drawing/2014/main" id="{47B50D91-9AD8-9844-A9C7-B7FF112CD5A1}"/>
+              </a:ext>
+            </a:extLst>
+          </p:cNvPr>
+          <p:cNvSpPr/>
+          <p:nvPr/>
+        </p:nvSpPr>
+        <p:spPr>
+          <a:xfrm>
+            <a:off x="2968063" y="2984551"/>
+            <a:ext cx="1828800" cy="1763303"/>
+          </a:xfrm>
+          <a:prstGeom prst="rect">
+            <a:avLst/>
+          </a:prstGeom>
+          <a:solidFill>
+            <a:srgbClr val="1D8900">
+              <a:alpha val="9804"/>
+            </a:srgbClr>
+          </a:solidFill>
+          <a:ln w="12700">
+            <a:noFill/>
+            <a:prstDash val="dash"/>
+          </a:ln>
+        </p:spPr>
+        <p:style>
+          <a:lnRef idx="2">
+            <a:schemeClr val="accent1">
+              <a:shade val="50000"/>
+            </a:schemeClr>
+          </a:lnRef>
+          <a:fillRef idx="1">
+            <a:schemeClr val="accent1"/>
+          </a:fillRef>
+          <a:effectRef idx="0">
+            <a:schemeClr val="accent1"/>
+          </a:effectRef>
+          <a:fontRef idx="minor">
+            <a:schemeClr val="lt1"/>
+          </a:fontRef>
+        </p:style>
+        <p:txBody>
+          <a:bodyPr rot="0" spcFirstLastPara="0" vertOverflow="overflow" horzOverflow="overflow" vert="horz" wrap="square" lIns="338328" tIns="45720" rIns="91440" bIns="45720" numCol="1" spcCol="0" rtlCol="0" fromWordArt="0" anchor="t" anchorCtr="0" forceAA="0" compatLnSpc="1">
+            <a:prstTxWarp prst="textNoShape">
+              <a:avLst/>
+            </a:prstTxWarp>
+            <a:noAutofit/>
+          </a:bodyPr>
+          <a:lstStyle/>
+          <a:p>
+            <a:pPr algn="l"/>
+            <a:endParaRPr lang="en-US" sz="1200" dirty="0">
+              <a:solidFill>
+                <a:schemeClr val="accent5"/>
+              </a:solidFill>
+            </a:endParaRPr>
+          </a:p>
+        </p:txBody>
+      </p:sp>
+      <p:sp>
+        <p:nvSpPr>
+          <p:cNvPr id="11" name="TextBox 10">
+            <a:extLst>
+              <a:ext uri="{FF2B5EF4-FFF2-40B4-BE49-F238E27FC236}">
+                <a16:creationId xmlns:a16="http://schemas.microsoft.com/office/drawing/2014/main" id="{FE39ACB8-5308-074F-8222-6F0EB5A8F999}"/>
+              </a:ext>
+            </a:extLst>
+          </p:cNvPr>
+          <p:cNvSpPr txBox="1"/>
+          <p:nvPr/>
+        </p:nvSpPr>
+        <p:spPr>
+          <a:xfrm>
+            <a:off x="1244286" y="4747848"/>
+            <a:ext cx="1161554" cy="646331"/>
+          </a:xfrm>
+          <a:prstGeom prst="rect">
+            <a:avLst/>
+          </a:prstGeom>
+          <a:noFill/>
+        </p:spPr>
+        <p:txBody>
+          <a:bodyPr wrap="square" rtlCol="0">
+            <a:spAutoFit/>
+          </a:bodyPr>
+          <a:lstStyle/>
+          <a:p>
+            <a:pPr algn="ctr"/>
+            <a:r>
+              <a:rPr lang="en-US" b="1" dirty="0">
+                <a:solidFill>
+                  <a:schemeClr val="accent5"/>
+                </a:solidFill>
+                <a:latin typeface="Amazon Ember" panose="020B0603020204020204" pitchFamily="34" charset="0"/>
+                <a:ea typeface="Amazon Ember" panose="020B0603020204020204" pitchFamily="34" charset="0"/>
+                <a:cs typeface="Amazon Ember" panose="020B0603020204020204" pitchFamily="34" charset="0"/>
+              </a:rPr>
+              <a:t>Blue </a:t>
+            </a:r>
+            <a:r>
+              <a:rPr lang="en-US" b="1" dirty="0" err="1">
+                <a:solidFill>
+                  <a:schemeClr val="accent5"/>
+                </a:solidFill>
+                <a:latin typeface="Amazon Ember" panose="020B0603020204020204" pitchFamily="34" charset="0"/>
+                <a:ea typeface="Amazon Ember" panose="020B0603020204020204" pitchFamily="34" charset="0"/>
+                <a:cs typeface="Amazon Ember" panose="020B0603020204020204" pitchFamily="34" charset="0"/>
+              </a:rPr>
+              <a:t>Env</a:t>
+            </a:r>
+            <a:endParaRPr lang="en-US" b="1" dirty="0">
+              <a:solidFill>
+                <a:schemeClr val="accent5"/>
+              </a:solidFill>
+              <a:latin typeface="Amazon Ember" panose="020B0603020204020204" pitchFamily="34" charset="0"/>
+              <a:ea typeface="Amazon Ember" panose="020B0603020204020204" pitchFamily="34" charset="0"/>
+              <a:cs typeface="Amazon Ember" panose="020B0603020204020204" pitchFamily="34" charset="0"/>
+            </a:endParaRPr>
+          </a:p>
+          <a:p>
+            <a:pPr algn="ctr"/>
+            <a:r>
+              <a:rPr lang="en-US" b="1" dirty="0">
+                <a:solidFill>
+                  <a:schemeClr val="accent5"/>
+                </a:solidFill>
+                <a:latin typeface="Amazon Ember" panose="020B0603020204020204" pitchFamily="34" charset="0"/>
+                <a:ea typeface="Amazon Ember" panose="020B0603020204020204" pitchFamily="34" charset="0"/>
+                <a:cs typeface="Amazon Ember" panose="020B0603020204020204" pitchFamily="34" charset="0"/>
+              </a:rPr>
+              <a:t>(live)</a:t>
+            </a:r>
+          </a:p>
+        </p:txBody>
+      </p:sp>
+      <p:sp>
+        <p:nvSpPr>
+          <p:cNvPr id="12" name="TextBox 11">
+            <a:extLst>
+              <a:ext uri="{FF2B5EF4-FFF2-40B4-BE49-F238E27FC236}">
+                <a16:creationId xmlns:a16="http://schemas.microsoft.com/office/drawing/2014/main" id="{A0545E2F-2168-F749-9052-90250431E6E1}"/>
+              </a:ext>
+            </a:extLst>
+          </p:cNvPr>
+          <p:cNvSpPr txBox="1"/>
+          <p:nvPr/>
+        </p:nvSpPr>
+        <p:spPr>
+          <a:xfrm>
+            <a:off x="3308652" y="4766901"/>
+            <a:ext cx="1290738" cy="369332"/>
+          </a:xfrm>
+          <a:prstGeom prst="rect">
+            <a:avLst/>
+          </a:prstGeom>
+          <a:noFill/>
+        </p:spPr>
+        <p:txBody>
+          <a:bodyPr wrap="none" rtlCol="0">
+            <a:spAutoFit/>
+          </a:bodyPr>
+          <a:lstStyle/>
+          <a:p>
+            <a:r>
+              <a:rPr lang="en-US" b="1" dirty="0">
+                <a:solidFill>
+                  <a:schemeClr val="accent6"/>
+                </a:solidFill>
+                <a:latin typeface="Amazon Ember" panose="020B0603020204020204" pitchFamily="34" charset="0"/>
+                <a:ea typeface="Amazon Ember" panose="020B0603020204020204" pitchFamily="34" charset="0"/>
+                <a:cs typeface="Amazon Ember" panose="020B0603020204020204" pitchFamily="34" charset="0"/>
+              </a:rPr>
+              <a:t>Green </a:t>
+            </a:r>
+            <a:r>
+              <a:rPr lang="en-US" b="1" dirty="0" err="1">
+                <a:solidFill>
+                  <a:schemeClr val="accent6"/>
+                </a:solidFill>
+                <a:latin typeface="Amazon Ember" panose="020B0603020204020204" pitchFamily="34" charset="0"/>
+                <a:ea typeface="Amazon Ember" panose="020B0603020204020204" pitchFamily="34" charset="0"/>
+                <a:cs typeface="Amazon Ember" panose="020B0603020204020204" pitchFamily="34" charset="0"/>
+              </a:rPr>
+              <a:t>Env</a:t>
+            </a:r>
+            <a:endParaRPr lang="en-US" b="1" dirty="0">
+              <a:solidFill>
+                <a:schemeClr val="accent6"/>
+              </a:solidFill>
+              <a:latin typeface="Amazon Ember" panose="020B0603020204020204" pitchFamily="34" charset="0"/>
+              <a:ea typeface="Amazon Ember" panose="020B0603020204020204" pitchFamily="34" charset="0"/>
+              <a:cs typeface="Amazon Ember" panose="020B0603020204020204" pitchFamily="34" charset="0"/>
+            </a:endParaRPr>
+          </a:p>
+        </p:txBody>
+      </p:sp>
+      <p:pic>
+        <p:nvPicPr>
+          <p:cNvPr id="13" name="Graphic 12">
+            <a:extLst>
+              <a:ext uri="{FF2B5EF4-FFF2-40B4-BE49-F238E27FC236}">
+                <a16:creationId xmlns:a16="http://schemas.microsoft.com/office/drawing/2014/main" id="{02BEA37E-358C-8449-90B6-91276F4971AF}"/>
+              </a:ext>
+            </a:extLst>
+          </p:cNvPr>
+          <p:cNvPicPr>
+            <a:picLocks noChangeAspect="1"/>
+          </p:cNvPicPr>
+          <p:nvPr/>
+        </p:nvPicPr>
+        <p:blipFill>
+          <a:blip r:embed="rId6">
+            <a:extLst>
+              <a:ext uri="{96DAC541-7B7A-43D3-8B79-37D633B846F1}">
+                <asvg:svgBlip xmlns:asvg="http://schemas.microsoft.com/office/drawing/2016/SVG/main" r:embed="rId7"/>
+              </a:ext>
+            </a:extLst>
+          </a:blip>
+          <a:stretch>
+            <a:fillRect/>
+          </a:stretch>
+        </p:blipFill>
+        <p:spPr>
+          <a:xfrm>
+            <a:off x="1367863" y="3316161"/>
+            <a:ext cx="914400" cy="914400"/>
+          </a:xfrm>
+          <a:prstGeom prst="rect">
+            <a:avLst/>
+          </a:prstGeom>
+        </p:spPr>
+      </p:pic>
+      <p:pic>
+        <p:nvPicPr>
+          <p:cNvPr id="15" name="Graphic 14">
+            <a:extLst>
+              <a:ext uri="{FF2B5EF4-FFF2-40B4-BE49-F238E27FC236}">
+                <a16:creationId xmlns:a16="http://schemas.microsoft.com/office/drawing/2014/main" id="{1C52FE65-61C6-734C-BDB0-67E26B494D1B}"/>
+              </a:ext>
+            </a:extLst>
+          </p:cNvPr>
+          <p:cNvPicPr>
+            <a:picLocks noChangeAspect="1"/>
+          </p:cNvPicPr>
+          <p:nvPr/>
+        </p:nvPicPr>
+        <p:blipFill>
+          <a:blip r:embed="rId6">
+            <a:extLst>
+              <a:ext uri="{96DAC541-7B7A-43D3-8B79-37D633B846F1}">
+                <asvg:svgBlip xmlns:asvg="http://schemas.microsoft.com/office/drawing/2016/SVG/main" r:embed="rId7"/>
+              </a:ext>
+            </a:extLst>
+          </a:blip>
+          <a:stretch>
+            <a:fillRect/>
+          </a:stretch>
+        </p:blipFill>
+        <p:spPr>
+          <a:xfrm>
+            <a:off x="3425263" y="3316161"/>
+            <a:ext cx="914400" cy="914400"/>
+          </a:xfrm>
+          <a:prstGeom prst="rect">
+            <a:avLst/>
+          </a:prstGeom>
+        </p:spPr>
+      </p:pic>
+      <p:pic>
+        <p:nvPicPr>
+          <p:cNvPr id="16" name="Graphic 15">
+            <a:extLst>
+              <a:ext uri="{FF2B5EF4-FFF2-40B4-BE49-F238E27FC236}">
+                <a16:creationId xmlns:a16="http://schemas.microsoft.com/office/drawing/2014/main" id="{2E7D3471-4682-C24C-8255-01EB8CAE53C7}"/>
+              </a:ext>
+            </a:extLst>
+          </p:cNvPr>
+          <p:cNvPicPr>
+            <a:picLocks noChangeAspect="1"/>
+          </p:cNvPicPr>
+          <p:nvPr/>
+        </p:nvPicPr>
+        <p:blipFill>
+          <a:blip r:embed="rId8">
+            <a:extLst>
+              <a:ext uri="{96DAC541-7B7A-43D3-8B79-37D633B846F1}">
+                <asvg:svgBlip xmlns:asvg="http://schemas.microsoft.com/office/drawing/2016/SVG/main" r:embed="rId9"/>
+              </a:ext>
+            </a:extLst>
+          </a:blip>
+          <a:stretch>
+            <a:fillRect/>
+          </a:stretch>
+        </p:blipFill>
+        <p:spPr>
+          <a:xfrm>
+            <a:off x="2376247" y="5594893"/>
+            <a:ext cx="914400" cy="914400"/>
+          </a:xfrm>
+          <a:prstGeom prst="rect">
+            <a:avLst/>
+          </a:prstGeom>
+        </p:spPr>
+      </p:pic>
+      <p:sp>
+        <p:nvSpPr>
+          <p:cNvPr id="17" name="TextBox 16">
+            <a:extLst>
+              <a:ext uri="{FF2B5EF4-FFF2-40B4-BE49-F238E27FC236}">
+                <a16:creationId xmlns:a16="http://schemas.microsoft.com/office/drawing/2014/main" id="{20BC0F2D-B4DE-604E-92BD-0CCB23D86E5C}"/>
+              </a:ext>
+            </a:extLst>
+          </p:cNvPr>
+          <p:cNvSpPr txBox="1"/>
+          <p:nvPr/>
+        </p:nvSpPr>
+        <p:spPr>
+          <a:xfrm>
+            <a:off x="1139263" y="2323899"/>
+            <a:ext cx="1467068" cy="369332"/>
+          </a:xfrm>
+          <a:prstGeom prst="rect">
+            <a:avLst/>
+          </a:prstGeom>
+          <a:noFill/>
+        </p:spPr>
+        <p:txBody>
+          <a:bodyPr wrap="none" rtlCol="0">
+            <a:spAutoFit/>
+          </a:bodyPr>
+          <a:lstStyle/>
+          <a:p>
+            <a:r>
+              <a:rPr lang="en-US" dirty="0">
+                <a:latin typeface="Amazon Ember" panose="020B0603020204020204" pitchFamily="34" charset="0"/>
+                <a:ea typeface="Amazon Ember" panose="020B0603020204020204" pitchFamily="34" charset="0"/>
+                <a:cs typeface="Amazon Ember" panose="020B0603020204020204" pitchFamily="34" charset="0"/>
+              </a:rPr>
+              <a:t>AWS Region</a:t>
+            </a:r>
+          </a:p>
+        </p:txBody>
+      </p:sp>
+      <p:pic>
+        <p:nvPicPr>
+          <p:cNvPr id="18" name="Graphic 17">
+            <a:extLst>
+              <a:ext uri="{FF2B5EF4-FFF2-40B4-BE49-F238E27FC236}">
+                <a16:creationId xmlns:a16="http://schemas.microsoft.com/office/drawing/2014/main" id="{0EB84604-F4D8-B34C-BE97-D9D33E9FEBCA}"/>
+              </a:ext>
+            </a:extLst>
+          </p:cNvPr>
+          <p:cNvPicPr>
+            <a:picLocks noChangeAspect="1"/>
+          </p:cNvPicPr>
+          <p:nvPr/>
+        </p:nvPicPr>
+        <p:blipFill>
+          <a:blip r:embed="rId10">
+            <a:extLst>
+              <a:ext uri="{96DAC541-7B7A-43D3-8B79-37D633B846F1}">
+                <asvg:svgBlip xmlns:asvg="http://schemas.microsoft.com/office/drawing/2016/SVG/main" r:embed="rId11"/>
+              </a:ext>
+            </a:extLst>
+          </a:blip>
+          <a:stretch>
+            <a:fillRect/>
+          </a:stretch>
+        </p:blipFill>
+        <p:spPr>
+          <a:xfrm>
+            <a:off x="2488805" y="1384655"/>
+            <a:ext cx="711200" cy="711200"/>
+          </a:xfrm>
+          <a:prstGeom prst="rect">
+            <a:avLst/>
+          </a:prstGeom>
+        </p:spPr>
+      </p:pic>
+      <p:cxnSp>
+        <p:nvCxnSpPr>
+          <p:cNvPr id="19" name="Straight Arrow Connector 18">
+            <a:extLst>
+              <a:ext uri="{FF2B5EF4-FFF2-40B4-BE49-F238E27FC236}">
+                <a16:creationId xmlns:a16="http://schemas.microsoft.com/office/drawing/2014/main" id="{261C0F24-AB1F-9D49-8A27-8B3FC2D327AD}"/>
+              </a:ext>
+            </a:extLst>
+          </p:cNvPr>
+          <p:cNvCxnSpPr>
+            <a:cxnSpLocks/>
+          </p:cNvCxnSpPr>
+          <p:nvPr/>
+        </p:nvCxnSpPr>
+        <p:spPr>
+          <a:xfrm flipH="1">
+            <a:off x="2834640" y="896112"/>
+            <a:ext cx="0" cy="420624"/>
+          </a:xfrm>
+          <a:prstGeom prst="straightConnector1">
+            <a:avLst/>
+          </a:prstGeom>
+          <a:ln w="12700">
+            <a:solidFill>
+              <a:schemeClr val="tx1"/>
+            </a:solidFill>
+            <a:headEnd type="none" w="med" len="sm"/>
+            <a:tailEnd type="arrow" w="med" len="sm"/>
+          </a:ln>
+        </p:spPr>
+        <p:style>
+          <a:lnRef idx="1">
+            <a:schemeClr val="accent1"/>
+          </a:lnRef>
+          <a:fillRef idx="0">
+            <a:schemeClr val="accent1"/>
+          </a:fillRef>
+          <a:effectRef idx="0">
+            <a:schemeClr val="accent1"/>
+          </a:effectRef>
+          <a:fontRef idx="minor">
+            <a:schemeClr val="tx1"/>
+          </a:fontRef>
+        </p:style>
+      </p:cxnSp>
+      <p:cxnSp>
+        <p:nvCxnSpPr>
+          <p:cNvPr id="20" name="Straight Arrow Connector 19">
+            <a:extLst>
+              <a:ext uri="{FF2B5EF4-FFF2-40B4-BE49-F238E27FC236}">
+                <a16:creationId xmlns:a16="http://schemas.microsoft.com/office/drawing/2014/main" id="{BE5D185B-4702-1842-A9C3-95030F369C23}"/>
+              </a:ext>
+            </a:extLst>
+          </p:cNvPr>
+          <p:cNvCxnSpPr>
+            <a:cxnSpLocks/>
+          </p:cNvCxnSpPr>
+          <p:nvPr/>
+        </p:nvCxnSpPr>
+        <p:spPr>
+          <a:xfrm flipH="1">
+            <a:off x="2444297" y="2095855"/>
+            <a:ext cx="390343" cy="888696"/>
+          </a:xfrm>
+          <a:prstGeom prst="straightConnector1">
+            <a:avLst/>
+          </a:prstGeom>
+          <a:ln w="12700">
+            <a:solidFill>
+              <a:schemeClr val="tx1"/>
+            </a:solidFill>
+            <a:headEnd type="none" w="med" len="sm"/>
+            <a:tailEnd type="arrow" w="med" len="sm"/>
+          </a:ln>
+        </p:spPr>
+        <p:style>
+          <a:lnRef idx="1">
+            <a:schemeClr val="accent1"/>
+          </a:lnRef>
+          <a:fillRef idx="0">
+            <a:schemeClr val="accent1"/>
+          </a:fillRef>
+          <a:effectRef idx="0">
+            <a:schemeClr val="accent1"/>
+          </a:effectRef>
+          <a:fontRef idx="minor">
+            <a:schemeClr val="tx1"/>
+          </a:fontRef>
+        </p:style>
+      </p:cxnSp>
+      <p:sp>
+        <p:nvSpPr>
+          <p:cNvPr id="22" name="TextBox 21">
+            <a:extLst>
+              <a:ext uri="{FF2B5EF4-FFF2-40B4-BE49-F238E27FC236}">
+                <a16:creationId xmlns:a16="http://schemas.microsoft.com/office/drawing/2014/main" id="{DC25F5E4-260C-EF40-9817-6474AD05D1B7}"/>
+              </a:ext>
+            </a:extLst>
+          </p:cNvPr>
+          <p:cNvSpPr txBox="1"/>
+          <p:nvPr/>
+        </p:nvSpPr>
+        <p:spPr>
+          <a:xfrm>
+            <a:off x="1446778" y="4332287"/>
+            <a:ext cx="917239" cy="369332"/>
+          </a:xfrm>
+          <a:prstGeom prst="rect">
+            <a:avLst/>
+          </a:prstGeom>
+          <a:noFill/>
+        </p:spPr>
+        <p:txBody>
+          <a:bodyPr wrap="none" rtlCol="0">
+            <a:spAutoFit/>
+          </a:bodyPr>
+          <a:lstStyle/>
+          <a:p>
+            <a:r>
+              <a:rPr lang="en-US" dirty="0">
+                <a:latin typeface="Amazon Ember" panose="020B0603020204020204" pitchFamily="34" charset="0"/>
+                <a:ea typeface="Amazon Ember" panose="020B0603020204020204" pitchFamily="34" charset="0"/>
+                <a:cs typeface="Amazon Ember" panose="020B0603020204020204" pitchFamily="34" charset="0"/>
+              </a:rPr>
+              <a:t>App v1</a:t>
+            </a:r>
+          </a:p>
+        </p:txBody>
+      </p:sp>
+      <p:sp>
+        <p:nvSpPr>
+          <p:cNvPr id="23" name="TextBox 22">
+            <a:extLst>
+              <a:ext uri="{FF2B5EF4-FFF2-40B4-BE49-F238E27FC236}">
+                <a16:creationId xmlns:a16="http://schemas.microsoft.com/office/drawing/2014/main" id="{11C1107C-42FF-6E49-B21A-08C7C4FA76F3}"/>
+              </a:ext>
+            </a:extLst>
+          </p:cNvPr>
+          <p:cNvSpPr txBox="1"/>
+          <p:nvPr/>
+        </p:nvSpPr>
+        <p:spPr>
+          <a:xfrm>
+            <a:off x="3508800" y="4332287"/>
+            <a:ext cx="917239" cy="369332"/>
+          </a:xfrm>
+          <a:prstGeom prst="rect">
+            <a:avLst/>
+          </a:prstGeom>
+          <a:noFill/>
+        </p:spPr>
+        <p:txBody>
+          <a:bodyPr wrap="none" rtlCol="0">
+            <a:spAutoFit/>
+          </a:bodyPr>
+          <a:lstStyle/>
+          <a:p>
+            <a:r>
+              <a:rPr lang="en-US" dirty="0">
+                <a:latin typeface="Amazon Ember" panose="020B0603020204020204" pitchFamily="34" charset="0"/>
+                <a:ea typeface="Amazon Ember" panose="020B0603020204020204" pitchFamily="34" charset="0"/>
+                <a:cs typeface="Amazon Ember" panose="020B0603020204020204" pitchFamily="34" charset="0"/>
+              </a:rPr>
+              <a:t>App v2</a:t>
+            </a:r>
+          </a:p>
+        </p:txBody>
+      </p:sp>
+      <p:cxnSp>
+        <p:nvCxnSpPr>
+          <p:cNvPr id="24" name="Straight Arrow Connector 23">
+            <a:extLst>
+              <a:ext uri="{FF2B5EF4-FFF2-40B4-BE49-F238E27FC236}">
+                <a16:creationId xmlns:a16="http://schemas.microsoft.com/office/drawing/2014/main" id="{C3305696-2595-A247-99B4-44B8E249BB09}"/>
+              </a:ext>
+            </a:extLst>
+          </p:cNvPr>
+          <p:cNvCxnSpPr>
+            <a:cxnSpLocks/>
+            <a:endCxn id="16" idx="0"/>
+          </p:cNvCxnSpPr>
+          <p:nvPr/>
+        </p:nvCxnSpPr>
+        <p:spPr>
+          <a:xfrm>
+            <a:off x="2450294" y="4747848"/>
+            <a:ext cx="383153" cy="847045"/>
+          </a:xfrm>
+          <a:prstGeom prst="straightConnector1">
+            <a:avLst/>
+          </a:prstGeom>
+          <a:ln w="12700">
+            <a:solidFill>
+              <a:schemeClr val="tx1"/>
+            </a:solidFill>
+            <a:headEnd type="none" w="med" len="sm"/>
+            <a:tailEnd type="arrow" w="med" len="sm"/>
+          </a:ln>
+        </p:spPr>
+        <p:style>
+          <a:lnRef idx="1">
+            <a:schemeClr val="accent1"/>
+          </a:lnRef>
+          <a:fillRef idx="0">
+            <a:schemeClr val="accent1"/>
+          </a:fillRef>
+          <a:effectRef idx="0">
+            <a:schemeClr val="accent1"/>
+          </a:effectRef>
+          <a:fontRef idx="minor">
+            <a:schemeClr val="tx1"/>
+          </a:fontRef>
+        </p:style>
+      </p:cxnSp>
+      <p:sp>
+        <p:nvSpPr>
+          <p:cNvPr id="26" name="TextBox 25">
+            <a:extLst>
+              <a:ext uri="{FF2B5EF4-FFF2-40B4-BE49-F238E27FC236}">
+                <a16:creationId xmlns:a16="http://schemas.microsoft.com/office/drawing/2014/main" id="{A21DCA53-BE94-B34F-B951-CA948C4D35B3}"/>
+              </a:ext>
+            </a:extLst>
+          </p:cNvPr>
+          <p:cNvSpPr txBox="1"/>
+          <p:nvPr/>
+        </p:nvSpPr>
+        <p:spPr>
+          <a:xfrm>
+            <a:off x="2251129" y="6378596"/>
+            <a:ext cx="1154483" cy="369332"/>
+          </a:xfrm>
+          <a:prstGeom prst="rect">
+            <a:avLst/>
+          </a:prstGeom>
+          <a:noFill/>
+        </p:spPr>
+        <p:txBody>
+          <a:bodyPr wrap="none" rtlCol="0">
+            <a:spAutoFit/>
+          </a:bodyPr>
+          <a:lstStyle/>
+          <a:p>
+            <a:r>
+              <a:rPr lang="en-US" dirty="0">
+                <a:latin typeface="Amazon Ember" panose="020B0603020204020204" pitchFamily="34" charset="0"/>
+                <a:ea typeface="Amazon Ember" panose="020B0603020204020204" pitchFamily="34" charset="0"/>
+                <a:cs typeface="Amazon Ember" panose="020B0603020204020204" pitchFamily="34" charset="0"/>
+              </a:rPr>
+              <a:t>Database</a:t>
+            </a:r>
+          </a:p>
+        </p:txBody>
+      </p:sp>
+      <p:sp>
+        <p:nvSpPr>
+          <p:cNvPr id="27" name="TextBox 26">
+            <a:extLst>
+              <a:ext uri="{FF2B5EF4-FFF2-40B4-BE49-F238E27FC236}">
+                <a16:creationId xmlns:a16="http://schemas.microsoft.com/office/drawing/2014/main" id="{B6E0EC9D-683A-964B-A53D-EDD751347409}"/>
+              </a:ext>
+            </a:extLst>
+          </p:cNvPr>
+          <p:cNvSpPr txBox="1"/>
+          <p:nvPr/>
+        </p:nvSpPr>
+        <p:spPr>
+          <a:xfrm>
+            <a:off x="3200005" y="1411714"/>
+            <a:ext cx="2052165" cy="646331"/>
+          </a:xfrm>
+          <a:prstGeom prst="rect">
+            <a:avLst/>
+          </a:prstGeom>
+          <a:noFill/>
+        </p:spPr>
+        <p:txBody>
+          <a:bodyPr wrap="none" rtlCol="0">
+            <a:spAutoFit/>
+          </a:bodyPr>
+          <a:lstStyle/>
+          <a:p>
+            <a:r>
+              <a:rPr lang="en-US" dirty="0">
+                <a:latin typeface="Amazon Ember" panose="020B0603020204020204" pitchFamily="34" charset="0"/>
+                <a:ea typeface="Amazon Ember" panose="020B0603020204020204" pitchFamily="34" charset="0"/>
+                <a:cs typeface="Amazon Ember" panose="020B0603020204020204" pitchFamily="34" charset="0"/>
+              </a:rPr>
+              <a:t>Amazon Route 53</a:t>
+            </a:r>
+          </a:p>
+          <a:p>
+            <a:r>
+              <a:rPr lang="en-US" dirty="0">
+                <a:latin typeface="Amazon Ember" panose="020B0603020204020204" pitchFamily="34" charset="0"/>
+                <a:ea typeface="Amazon Ember" panose="020B0603020204020204" pitchFamily="34" charset="0"/>
+                <a:cs typeface="Amazon Ember" panose="020B0603020204020204" pitchFamily="34" charset="0"/>
+              </a:rPr>
+              <a:t>DNS Endpoint</a:t>
+            </a:r>
+          </a:p>
+        </p:txBody>
+      </p:sp>
+      <p:pic>
+        <p:nvPicPr>
+          <p:cNvPr id="28" name="Graphic 27">
+            <a:extLst>
+              <a:ext uri="{FF2B5EF4-FFF2-40B4-BE49-F238E27FC236}">
+                <a16:creationId xmlns:a16="http://schemas.microsoft.com/office/drawing/2014/main" id="{A9EFB99D-40D0-8840-9CD6-85415A203950}"/>
+              </a:ext>
+            </a:extLst>
+          </p:cNvPr>
+          <p:cNvPicPr>
+            <a:picLocks noChangeAspect="1"/>
+          </p:cNvPicPr>
+          <p:nvPr/>
+        </p:nvPicPr>
+        <p:blipFill>
+          <a:blip r:embed="rId2">
+            <a:extLst>
+              <a:ext uri="{96DAC541-7B7A-43D3-8B79-37D633B846F1}">
+                <asvg:svgBlip xmlns:asvg="http://schemas.microsoft.com/office/drawing/2016/SVG/main" r:embed="rId3"/>
+              </a:ext>
+            </a:extLst>
+          </a:blip>
+          <a:stretch>
+            <a:fillRect/>
+          </a:stretch>
+        </p:blipFill>
+        <p:spPr>
+          <a:xfrm flipH="1">
+            <a:off x="8908039" y="-16283"/>
+            <a:ext cx="941032" cy="914400"/>
+          </a:xfrm>
+          <a:prstGeom prst="rect">
+            <a:avLst/>
+          </a:prstGeom>
+        </p:spPr>
+      </p:pic>
+      <p:sp>
+        <p:nvSpPr>
+          <p:cNvPr id="29" name="Rectangle 28">
+            <a:extLst>
+              <a:ext uri="{FF2B5EF4-FFF2-40B4-BE49-F238E27FC236}">
+                <a16:creationId xmlns:a16="http://schemas.microsoft.com/office/drawing/2014/main" id="{5A2D2DE8-D601-2541-A0CA-7CA5E4C743F3}"/>
+              </a:ext>
+            </a:extLst>
+          </p:cNvPr>
+          <p:cNvSpPr/>
+          <p:nvPr/>
+        </p:nvSpPr>
+        <p:spPr>
+          <a:xfrm>
+            <a:off x="7141206" y="2361820"/>
+            <a:ext cx="4455168" cy="4386108"/>
+          </a:xfrm>
+          <a:prstGeom prst="rect">
+            <a:avLst/>
+          </a:prstGeom>
+          <a:noFill/>
+          <a:ln w="12700">
+            <a:solidFill>
+              <a:schemeClr val="tx1"/>
+            </a:solidFill>
+          </a:ln>
+        </p:spPr>
+        <p:style>
+          <a:lnRef idx="2">
+            <a:schemeClr val="accent1">
+              <a:shade val="50000"/>
+            </a:schemeClr>
+          </a:lnRef>
+          <a:fillRef idx="1">
+            <a:schemeClr val="accent1"/>
+          </a:fillRef>
+          <a:effectRef idx="0">
+            <a:schemeClr val="accent1"/>
+          </a:effectRef>
+          <a:fontRef idx="minor">
+            <a:schemeClr val="lt1"/>
+          </a:fontRef>
+        </p:style>
+        <p:txBody>
+          <a:bodyPr rot="0" spcFirstLastPara="0" vertOverflow="overflow" horzOverflow="overflow" vert="horz" wrap="square" lIns="457200" tIns="91440" rIns="91440" bIns="45720" numCol="1" spcCol="0" rtlCol="0" fromWordArt="0" anchor="t" anchorCtr="0" forceAA="0" compatLnSpc="1">
+            <a:prstTxWarp prst="textNoShape">
+              <a:avLst/>
+            </a:prstTxWarp>
+            <a:noAutofit/>
+          </a:bodyPr>
+          <a:lstStyle/>
+          <a:p>
+            <a:pPr algn="ctr"/>
+            <a:endParaRPr lang="en-US" sz="1200" dirty="0">
+              <a:solidFill>
+                <a:sysClr val="windowText" lastClr="000000"/>
+              </a:solidFill>
+            </a:endParaRPr>
+          </a:p>
+        </p:txBody>
+      </p:sp>
+      <p:pic>
+        <p:nvPicPr>
+          <p:cNvPr id="30" name="Graphic 29">
+            <a:extLst>
+              <a:ext uri="{FF2B5EF4-FFF2-40B4-BE49-F238E27FC236}">
+                <a16:creationId xmlns:a16="http://schemas.microsoft.com/office/drawing/2014/main" id="{FF603367-E1AE-1D4D-A4D7-A51A41326857}"/>
+              </a:ext>
+            </a:extLst>
+          </p:cNvPr>
+          <p:cNvPicPr>
+            <a:picLocks noChangeAspect="1"/>
+          </p:cNvPicPr>
+          <p:nvPr/>
+        </p:nvPicPr>
+        <p:blipFill>
+          <a:blip r:embed="rId4">
+            <a:extLst>
+              <a:ext uri="{96DAC541-7B7A-43D3-8B79-37D633B846F1}">
+                <asvg:svgBlip xmlns:asvg="http://schemas.microsoft.com/office/drawing/2016/SVG/main" r:embed="rId5"/>
+              </a:ext>
+            </a:extLst>
+          </a:blip>
+          <a:stretch>
+            <a:fillRect/>
+          </a:stretch>
+        </p:blipFill>
+        <p:spPr>
+          <a:xfrm>
+            <a:off x="7141206" y="2361820"/>
+            <a:ext cx="457200" cy="457200"/>
+          </a:xfrm>
+          <a:prstGeom prst="rect">
+            <a:avLst/>
+          </a:prstGeom>
+        </p:spPr>
+      </p:pic>
+      <p:sp>
+        <p:nvSpPr>
+          <p:cNvPr id="31" name="Rectangle 30">
+            <a:extLst>
+              <a:ext uri="{FF2B5EF4-FFF2-40B4-BE49-F238E27FC236}">
+                <a16:creationId xmlns:a16="http://schemas.microsoft.com/office/drawing/2014/main" id="{CDBC23FB-1D19-E840-A598-4EC8EA6BBA47}"/>
+              </a:ext>
+            </a:extLst>
+          </p:cNvPr>
+          <p:cNvSpPr/>
+          <p:nvPr/>
+        </p:nvSpPr>
+        <p:spPr>
+          <a:xfrm>
+            <a:off x="7369806" y="3022472"/>
+            <a:ext cx="1828800" cy="1763303"/>
+          </a:xfrm>
+          <a:prstGeom prst="rect">
+            <a:avLst/>
+          </a:prstGeom>
+          <a:solidFill>
+            <a:srgbClr val="007CBC">
+              <a:alpha val="9804"/>
+            </a:srgbClr>
+          </a:solidFill>
+          <a:ln w="12700">
+            <a:noFill/>
+            <a:prstDash val="dash"/>
+          </a:ln>
+        </p:spPr>
+        <p:style>
+          <a:lnRef idx="2">
+            <a:schemeClr val="accent1">
+              <a:shade val="50000"/>
+            </a:schemeClr>
+          </a:lnRef>
+          <a:fillRef idx="1">
+            <a:schemeClr val="accent1"/>
+          </a:fillRef>
+          <a:effectRef idx="0">
+            <a:schemeClr val="accent1"/>
+          </a:effectRef>
+          <a:fontRef idx="minor">
+            <a:schemeClr val="lt1"/>
+          </a:fontRef>
+        </p:style>
+        <p:txBody>
+          <a:bodyPr rot="0" spcFirstLastPara="0" vertOverflow="overflow" horzOverflow="overflow" vert="horz" wrap="square" lIns="338328" tIns="45720" rIns="91440" bIns="45720" numCol="1" spcCol="0" rtlCol="0" fromWordArt="0" anchor="t" anchorCtr="0" forceAA="0" compatLnSpc="1">
+            <a:prstTxWarp prst="textNoShape">
+              <a:avLst/>
+            </a:prstTxWarp>
+            <a:noAutofit/>
+          </a:bodyPr>
+          <a:lstStyle/>
+          <a:p>
+            <a:endParaRPr lang="en-US" sz="1200" dirty="0">
+              <a:solidFill>
+                <a:schemeClr val="accent5"/>
+              </a:solidFill>
+            </a:endParaRPr>
+          </a:p>
+        </p:txBody>
+      </p:sp>
+      <p:sp>
+        <p:nvSpPr>
+          <p:cNvPr id="32" name="Rectangle 31">
+            <a:extLst>
+              <a:ext uri="{FF2B5EF4-FFF2-40B4-BE49-F238E27FC236}">
+                <a16:creationId xmlns:a16="http://schemas.microsoft.com/office/drawing/2014/main" id="{77BB1BB6-7FBA-1540-9EDF-B38CF21BB076}"/>
+              </a:ext>
+            </a:extLst>
+          </p:cNvPr>
+          <p:cNvSpPr/>
+          <p:nvPr/>
+        </p:nvSpPr>
+        <p:spPr>
+          <a:xfrm>
+            <a:off x="9427206" y="3022472"/>
+            <a:ext cx="1828800" cy="1763303"/>
+          </a:xfrm>
+          <a:prstGeom prst="rect">
+            <a:avLst/>
+          </a:prstGeom>
+          <a:solidFill>
+            <a:srgbClr val="1D8900">
+              <a:alpha val="9804"/>
+            </a:srgbClr>
+          </a:solidFill>
+          <a:ln w="12700">
+            <a:noFill/>
+            <a:prstDash val="dash"/>
+          </a:ln>
+        </p:spPr>
+        <p:style>
+          <a:lnRef idx="2">
+            <a:schemeClr val="accent1">
+              <a:shade val="50000"/>
+            </a:schemeClr>
+          </a:lnRef>
+          <a:fillRef idx="1">
+            <a:schemeClr val="accent1"/>
+          </a:fillRef>
+          <a:effectRef idx="0">
+            <a:schemeClr val="accent1"/>
+          </a:effectRef>
+          <a:fontRef idx="minor">
+            <a:schemeClr val="lt1"/>
+          </a:fontRef>
+        </p:style>
+        <p:txBody>
+          <a:bodyPr rot="0" spcFirstLastPara="0" vertOverflow="overflow" horzOverflow="overflow" vert="horz" wrap="square" lIns="338328" tIns="45720" rIns="91440" bIns="45720" numCol="1" spcCol="0" rtlCol="0" fromWordArt="0" anchor="t" anchorCtr="0" forceAA="0" compatLnSpc="1">
+            <a:prstTxWarp prst="textNoShape">
+              <a:avLst/>
+            </a:prstTxWarp>
+            <a:noAutofit/>
+          </a:bodyPr>
+          <a:lstStyle/>
+          <a:p>
+            <a:pPr algn="l"/>
+            <a:endParaRPr lang="en-US" sz="1200" dirty="0">
+              <a:solidFill>
+                <a:schemeClr val="accent5"/>
+              </a:solidFill>
+            </a:endParaRPr>
+          </a:p>
+        </p:txBody>
+      </p:sp>
+      <p:sp>
+        <p:nvSpPr>
+          <p:cNvPr id="33" name="TextBox 32">
+            <a:extLst>
+              <a:ext uri="{FF2B5EF4-FFF2-40B4-BE49-F238E27FC236}">
+                <a16:creationId xmlns:a16="http://schemas.microsoft.com/office/drawing/2014/main" id="{7D3CB456-8A81-B949-8C7A-83E2F37CFBC3}"/>
+              </a:ext>
+            </a:extLst>
+          </p:cNvPr>
+          <p:cNvSpPr txBox="1"/>
+          <p:nvPr/>
+        </p:nvSpPr>
+        <p:spPr>
+          <a:xfrm>
+            <a:off x="7703429" y="4785769"/>
+            <a:ext cx="1161554" cy="369332"/>
+          </a:xfrm>
+          <a:prstGeom prst="rect">
+            <a:avLst/>
+          </a:prstGeom>
+          <a:noFill/>
+        </p:spPr>
+        <p:txBody>
+          <a:bodyPr wrap="square" rtlCol="0">
+            <a:spAutoFit/>
+          </a:bodyPr>
+          <a:lstStyle/>
+          <a:p>
+            <a:pPr algn="ctr"/>
+            <a:r>
+              <a:rPr lang="en-US" b="1" dirty="0">
+                <a:solidFill>
+                  <a:schemeClr val="accent5"/>
+                </a:solidFill>
+                <a:latin typeface="Amazon Ember" panose="020B0603020204020204" pitchFamily="34" charset="0"/>
+                <a:ea typeface="Amazon Ember" panose="020B0603020204020204" pitchFamily="34" charset="0"/>
+                <a:cs typeface="Amazon Ember" panose="020B0603020204020204" pitchFamily="34" charset="0"/>
+              </a:rPr>
+              <a:t>Blue </a:t>
+            </a:r>
+            <a:r>
+              <a:rPr lang="en-US" b="1" dirty="0" err="1">
+                <a:solidFill>
+                  <a:schemeClr val="accent5"/>
+                </a:solidFill>
+                <a:latin typeface="Amazon Ember" panose="020B0603020204020204" pitchFamily="34" charset="0"/>
+                <a:ea typeface="Amazon Ember" panose="020B0603020204020204" pitchFamily="34" charset="0"/>
+                <a:cs typeface="Amazon Ember" panose="020B0603020204020204" pitchFamily="34" charset="0"/>
+              </a:rPr>
+              <a:t>Env</a:t>
+            </a:r>
+            <a:endParaRPr lang="en-US" b="1" dirty="0">
+              <a:solidFill>
+                <a:schemeClr val="accent5"/>
+              </a:solidFill>
+              <a:latin typeface="Amazon Ember" panose="020B0603020204020204" pitchFamily="34" charset="0"/>
+              <a:ea typeface="Amazon Ember" panose="020B0603020204020204" pitchFamily="34" charset="0"/>
+              <a:cs typeface="Amazon Ember" panose="020B0603020204020204" pitchFamily="34" charset="0"/>
+            </a:endParaRPr>
+          </a:p>
+        </p:txBody>
+      </p:sp>
+      <p:sp>
+        <p:nvSpPr>
+          <p:cNvPr id="34" name="TextBox 33">
+            <a:extLst>
+              <a:ext uri="{FF2B5EF4-FFF2-40B4-BE49-F238E27FC236}">
+                <a16:creationId xmlns:a16="http://schemas.microsoft.com/office/drawing/2014/main" id="{2C43873F-1F1A-034F-B0C7-47AD35535510}"/>
+              </a:ext>
+            </a:extLst>
+          </p:cNvPr>
+          <p:cNvSpPr txBox="1"/>
+          <p:nvPr/>
+        </p:nvSpPr>
+        <p:spPr>
+          <a:xfrm>
+            <a:off x="9767795" y="4804822"/>
+            <a:ext cx="1290738" cy="646331"/>
+          </a:xfrm>
+          <a:prstGeom prst="rect">
+            <a:avLst/>
+          </a:prstGeom>
+          <a:noFill/>
+        </p:spPr>
+        <p:txBody>
+          <a:bodyPr wrap="none" rtlCol="0">
+            <a:spAutoFit/>
+          </a:bodyPr>
+          <a:lstStyle/>
+          <a:p>
+            <a:pPr algn="ctr"/>
+            <a:r>
+              <a:rPr lang="en-US" b="1" dirty="0">
+                <a:solidFill>
+                  <a:schemeClr val="accent6"/>
+                </a:solidFill>
+                <a:latin typeface="Amazon Ember" panose="020B0603020204020204" pitchFamily="34" charset="0"/>
+                <a:ea typeface="Amazon Ember" panose="020B0603020204020204" pitchFamily="34" charset="0"/>
+                <a:cs typeface="Amazon Ember" panose="020B0603020204020204" pitchFamily="34" charset="0"/>
+              </a:rPr>
+              <a:t>Green </a:t>
+            </a:r>
+            <a:r>
+              <a:rPr lang="en-US" b="1" dirty="0" err="1">
+                <a:solidFill>
+                  <a:schemeClr val="accent6"/>
+                </a:solidFill>
+                <a:latin typeface="Amazon Ember" panose="020B0603020204020204" pitchFamily="34" charset="0"/>
+                <a:ea typeface="Amazon Ember" panose="020B0603020204020204" pitchFamily="34" charset="0"/>
+                <a:cs typeface="Amazon Ember" panose="020B0603020204020204" pitchFamily="34" charset="0"/>
+              </a:rPr>
+              <a:t>Env</a:t>
+            </a:r>
+            <a:endParaRPr lang="en-US" b="1" dirty="0">
+              <a:solidFill>
+                <a:schemeClr val="accent6"/>
+              </a:solidFill>
+              <a:latin typeface="Amazon Ember" panose="020B0603020204020204" pitchFamily="34" charset="0"/>
+              <a:ea typeface="Amazon Ember" panose="020B0603020204020204" pitchFamily="34" charset="0"/>
+              <a:cs typeface="Amazon Ember" panose="020B0603020204020204" pitchFamily="34" charset="0"/>
+            </a:endParaRPr>
+          </a:p>
+          <a:p>
+            <a:pPr algn="ctr"/>
+            <a:r>
+              <a:rPr lang="en-US" b="1" dirty="0">
+                <a:solidFill>
+                  <a:schemeClr val="accent6"/>
+                </a:solidFill>
+                <a:latin typeface="Amazon Ember" panose="020B0603020204020204" pitchFamily="34" charset="0"/>
+                <a:ea typeface="Amazon Ember" panose="020B0603020204020204" pitchFamily="34" charset="0"/>
+                <a:cs typeface="Amazon Ember" panose="020B0603020204020204" pitchFamily="34" charset="0"/>
+              </a:rPr>
+              <a:t>(live)</a:t>
+            </a:r>
+          </a:p>
+        </p:txBody>
+      </p:sp>
+      <p:pic>
+        <p:nvPicPr>
+          <p:cNvPr id="35" name="Graphic 34">
+            <a:extLst>
+              <a:ext uri="{FF2B5EF4-FFF2-40B4-BE49-F238E27FC236}">
+                <a16:creationId xmlns:a16="http://schemas.microsoft.com/office/drawing/2014/main" id="{712810D8-0B5C-4F41-ABBB-06CEBAAD5A41}"/>
+              </a:ext>
+            </a:extLst>
+          </p:cNvPr>
+          <p:cNvPicPr>
+            <a:picLocks noChangeAspect="1"/>
+          </p:cNvPicPr>
+          <p:nvPr/>
+        </p:nvPicPr>
+        <p:blipFill>
+          <a:blip r:embed="rId6">
+            <a:extLst>
+              <a:ext uri="{96DAC541-7B7A-43D3-8B79-37D633B846F1}">
+                <asvg:svgBlip xmlns:asvg="http://schemas.microsoft.com/office/drawing/2016/SVG/main" r:embed="rId7"/>
+              </a:ext>
+            </a:extLst>
+          </a:blip>
+          <a:stretch>
+            <a:fillRect/>
+          </a:stretch>
+        </p:blipFill>
+        <p:spPr>
+          <a:xfrm>
+            <a:off x="7827006" y="3354082"/>
+            <a:ext cx="914400" cy="914400"/>
+          </a:xfrm>
+          <a:prstGeom prst="rect">
+            <a:avLst/>
+          </a:prstGeom>
+        </p:spPr>
+      </p:pic>
+      <p:pic>
+        <p:nvPicPr>
+          <p:cNvPr id="36" name="Graphic 35">
+            <a:extLst>
+              <a:ext uri="{FF2B5EF4-FFF2-40B4-BE49-F238E27FC236}">
+                <a16:creationId xmlns:a16="http://schemas.microsoft.com/office/drawing/2014/main" id="{91C17B72-F4F3-CB47-870F-A192374EC35E}"/>
+              </a:ext>
+            </a:extLst>
+          </p:cNvPr>
+          <p:cNvPicPr>
+            <a:picLocks noChangeAspect="1"/>
+          </p:cNvPicPr>
+          <p:nvPr/>
+        </p:nvPicPr>
+        <p:blipFill>
+          <a:blip r:embed="rId6">
+            <a:extLst>
+              <a:ext uri="{96DAC541-7B7A-43D3-8B79-37D633B846F1}">
+                <asvg:svgBlip xmlns:asvg="http://schemas.microsoft.com/office/drawing/2016/SVG/main" r:embed="rId7"/>
+              </a:ext>
+            </a:extLst>
+          </a:blip>
+          <a:stretch>
+            <a:fillRect/>
+          </a:stretch>
+        </p:blipFill>
+        <p:spPr>
+          <a:xfrm>
+            <a:off x="9884406" y="3354082"/>
+            <a:ext cx="914400" cy="914400"/>
+          </a:xfrm>
+          <a:prstGeom prst="rect">
+            <a:avLst/>
+          </a:prstGeom>
+        </p:spPr>
+      </p:pic>
+      <p:pic>
+        <p:nvPicPr>
+          <p:cNvPr id="37" name="Graphic 36">
+            <a:extLst>
+              <a:ext uri="{FF2B5EF4-FFF2-40B4-BE49-F238E27FC236}">
+                <a16:creationId xmlns:a16="http://schemas.microsoft.com/office/drawing/2014/main" id="{DE5B4AB1-F62E-6F45-BD8F-27AD1448DCC0}"/>
+              </a:ext>
+            </a:extLst>
+          </p:cNvPr>
+          <p:cNvPicPr>
+            <a:picLocks noChangeAspect="1"/>
+          </p:cNvPicPr>
+          <p:nvPr/>
+        </p:nvPicPr>
+        <p:blipFill>
+          <a:blip r:embed="rId8">
+            <a:extLst>
+              <a:ext uri="{96DAC541-7B7A-43D3-8B79-37D633B846F1}">
+                <asvg:svgBlip xmlns:asvg="http://schemas.microsoft.com/office/drawing/2016/SVG/main" r:embed="rId9"/>
+              </a:ext>
+            </a:extLst>
+          </a:blip>
+          <a:stretch>
+            <a:fillRect/>
+          </a:stretch>
+        </p:blipFill>
+        <p:spPr>
+          <a:xfrm>
+            <a:off x="8835390" y="5632814"/>
+            <a:ext cx="914400" cy="914400"/>
+          </a:xfrm>
+          <a:prstGeom prst="rect">
+            <a:avLst/>
+          </a:prstGeom>
+        </p:spPr>
+      </p:pic>
+      <p:sp>
+        <p:nvSpPr>
+          <p:cNvPr id="38" name="TextBox 37">
+            <a:extLst>
+              <a:ext uri="{FF2B5EF4-FFF2-40B4-BE49-F238E27FC236}">
+                <a16:creationId xmlns:a16="http://schemas.microsoft.com/office/drawing/2014/main" id="{6F91BD65-B03C-BC42-93B9-0205ED5190A5}"/>
+              </a:ext>
+            </a:extLst>
+          </p:cNvPr>
+          <p:cNvSpPr txBox="1"/>
+          <p:nvPr/>
+        </p:nvSpPr>
+        <p:spPr>
+          <a:xfrm>
+            <a:off x="7598406" y="2361820"/>
+            <a:ext cx="1467068" cy="369332"/>
+          </a:xfrm>
+          <a:prstGeom prst="rect">
+            <a:avLst/>
+          </a:prstGeom>
+          <a:noFill/>
+        </p:spPr>
+        <p:txBody>
+          <a:bodyPr wrap="none" rtlCol="0">
+            <a:spAutoFit/>
+          </a:bodyPr>
+          <a:lstStyle/>
+          <a:p>
+            <a:r>
+              <a:rPr lang="en-US" dirty="0">
+                <a:latin typeface="Amazon Ember" panose="020B0603020204020204" pitchFamily="34" charset="0"/>
+                <a:ea typeface="Amazon Ember" panose="020B0603020204020204" pitchFamily="34" charset="0"/>
+                <a:cs typeface="Amazon Ember" panose="020B0603020204020204" pitchFamily="34" charset="0"/>
+              </a:rPr>
+              <a:t>AWS Region</a:t>
+            </a:r>
+          </a:p>
+        </p:txBody>
+      </p:sp>
+      <p:pic>
+        <p:nvPicPr>
+          <p:cNvPr id="39" name="Graphic 38">
+            <a:extLst>
+              <a:ext uri="{FF2B5EF4-FFF2-40B4-BE49-F238E27FC236}">
+                <a16:creationId xmlns:a16="http://schemas.microsoft.com/office/drawing/2014/main" id="{2A71C762-C3A1-DE4A-8AD5-B6296F22939E}"/>
+              </a:ext>
+            </a:extLst>
+          </p:cNvPr>
+          <p:cNvPicPr>
+            <a:picLocks noChangeAspect="1"/>
+          </p:cNvPicPr>
+          <p:nvPr/>
+        </p:nvPicPr>
+        <p:blipFill>
+          <a:blip r:embed="rId10">
+            <a:extLst>
+              <a:ext uri="{96DAC541-7B7A-43D3-8B79-37D633B846F1}">
+                <asvg:svgBlip xmlns:asvg="http://schemas.microsoft.com/office/drawing/2016/SVG/main" r:embed="rId11"/>
+              </a:ext>
+            </a:extLst>
+          </a:blip>
+          <a:stretch>
+            <a:fillRect/>
+          </a:stretch>
+        </p:blipFill>
+        <p:spPr>
+          <a:xfrm>
+            <a:off x="9022955" y="1384655"/>
+            <a:ext cx="711200" cy="711200"/>
+          </a:xfrm>
+          <a:prstGeom prst="rect">
+            <a:avLst/>
+          </a:prstGeom>
+        </p:spPr>
+      </p:pic>
+      <p:cxnSp>
+        <p:nvCxnSpPr>
+          <p:cNvPr id="40" name="Straight Arrow Connector 39">
+            <a:extLst>
+              <a:ext uri="{FF2B5EF4-FFF2-40B4-BE49-F238E27FC236}">
+                <a16:creationId xmlns:a16="http://schemas.microsoft.com/office/drawing/2014/main" id="{956DB76A-F2C2-024C-A818-1F9841233513}"/>
+              </a:ext>
+            </a:extLst>
+          </p:cNvPr>
+          <p:cNvCxnSpPr>
+            <a:cxnSpLocks/>
+          </p:cNvCxnSpPr>
+          <p:nvPr/>
+        </p:nvCxnSpPr>
+        <p:spPr>
+          <a:xfrm flipH="1">
+            <a:off x="9368790" y="896112"/>
+            <a:ext cx="0" cy="420624"/>
+          </a:xfrm>
+          <a:prstGeom prst="straightConnector1">
+            <a:avLst/>
+          </a:prstGeom>
+          <a:ln w="12700">
+            <a:solidFill>
+              <a:schemeClr val="tx1"/>
+            </a:solidFill>
+            <a:headEnd type="none" w="med" len="sm"/>
+            <a:tailEnd type="arrow" w="med" len="sm"/>
+          </a:ln>
+        </p:spPr>
+        <p:style>
+          <a:lnRef idx="1">
+            <a:schemeClr val="accent1"/>
+          </a:lnRef>
+          <a:fillRef idx="0">
+            <a:schemeClr val="accent1"/>
+          </a:fillRef>
+          <a:effectRef idx="0">
+            <a:schemeClr val="accent1"/>
+          </a:effectRef>
+          <a:fontRef idx="minor">
+            <a:schemeClr val="tx1"/>
+          </a:fontRef>
+        </p:style>
+      </p:cxnSp>
+      <p:cxnSp>
+        <p:nvCxnSpPr>
+          <p:cNvPr id="41" name="Straight Arrow Connector 40">
+            <a:extLst>
+              <a:ext uri="{FF2B5EF4-FFF2-40B4-BE49-F238E27FC236}">
+                <a16:creationId xmlns:a16="http://schemas.microsoft.com/office/drawing/2014/main" id="{821239A5-3DBB-6049-B0E9-0E8278A8E899}"/>
+              </a:ext>
+            </a:extLst>
+          </p:cNvPr>
+          <p:cNvCxnSpPr>
+            <a:cxnSpLocks/>
+          </p:cNvCxnSpPr>
+          <p:nvPr/>
+        </p:nvCxnSpPr>
+        <p:spPr>
+          <a:xfrm>
+            <a:off x="9368790" y="2095855"/>
+            <a:ext cx="365365" cy="965364"/>
+          </a:xfrm>
+          <a:prstGeom prst="straightConnector1">
+            <a:avLst/>
+          </a:prstGeom>
+          <a:ln w="12700">
+            <a:solidFill>
+              <a:schemeClr val="tx1"/>
+            </a:solidFill>
+            <a:headEnd type="none" w="med" len="sm"/>
+            <a:tailEnd type="arrow" w="med" len="sm"/>
+          </a:ln>
+        </p:spPr>
+        <p:style>
+          <a:lnRef idx="1">
+            <a:schemeClr val="accent1"/>
+          </a:lnRef>
+          <a:fillRef idx="0">
+            <a:schemeClr val="accent1"/>
+          </a:fillRef>
+          <a:effectRef idx="0">
+            <a:schemeClr val="accent1"/>
+          </a:effectRef>
+          <a:fontRef idx="minor">
+            <a:schemeClr val="tx1"/>
+          </a:fontRef>
+        </p:style>
+      </p:cxnSp>
+      <p:sp>
+        <p:nvSpPr>
+          <p:cNvPr id="42" name="TextBox 41">
+            <a:extLst>
+              <a:ext uri="{FF2B5EF4-FFF2-40B4-BE49-F238E27FC236}">
+                <a16:creationId xmlns:a16="http://schemas.microsoft.com/office/drawing/2014/main" id="{C84900CB-C112-AB46-B77B-702B86975A27}"/>
+              </a:ext>
+            </a:extLst>
+          </p:cNvPr>
+          <p:cNvSpPr txBox="1"/>
+          <p:nvPr/>
+        </p:nvSpPr>
+        <p:spPr>
+          <a:xfrm>
+            <a:off x="7905921" y="4370208"/>
+            <a:ext cx="917239" cy="369332"/>
+          </a:xfrm>
+          <a:prstGeom prst="rect">
+            <a:avLst/>
+          </a:prstGeom>
+          <a:noFill/>
+        </p:spPr>
+        <p:txBody>
+          <a:bodyPr wrap="none" rtlCol="0">
+            <a:spAutoFit/>
+          </a:bodyPr>
+          <a:lstStyle/>
+          <a:p>
+            <a:r>
+              <a:rPr lang="en-US" dirty="0">
+                <a:latin typeface="Amazon Ember" panose="020B0603020204020204" pitchFamily="34" charset="0"/>
+                <a:ea typeface="Amazon Ember" panose="020B0603020204020204" pitchFamily="34" charset="0"/>
+                <a:cs typeface="Amazon Ember" panose="020B0603020204020204" pitchFamily="34" charset="0"/>
+              </a:rPr>
+              <a:t>App v1</a:t>
+            </a:r>
+          </a:p>
+        </p:txBody>
+      </p:sp>
+      <p:sp>
+        <p:nvSpPr>
+          <p:cNvPr id="43" name="TextBox 42">
+            <a:extLst>
+              <a:ext uri="{FF2B5EF4-FFF2-40B4-BE49-F238E27FC236}">
+                <a16:creationId xmlns:a16="http://schemas.microsoft.com/office/drawing/2014/main" id="{214521B6-D503-2445-9A61-6EA4713F3A6F}"/>
+              </a:ext>
+            </a:extLst>
+          </p:cNvPr>
+          <p:cNvSpPr txBox="1"/>
+          <p:nvPr/>
+        </p:nvSpPr>
+        <p:spPr>
+          <a:xfrm>
+            <a:off x="9967943" y="4370208"/>
+            <a:ext cx="917239" cy="369332"/>
+          </a:xfrm>
+          <a:prstGeom prst="rect">
+            <a:avLst/>
+          </a:prstGeom>
+          <a:noFill/>
+        </p:spPr>
+        <p:txBody>
+          <a:bodyPr wrap="none" rtlCol="0">
+            <a:spAutoFit/>
+          </a:bodyPr>
+          <a:lstStyle/>
+          <a:p>
+            <a:r>
+              <a:rPr lang="en-US" dirty="0">
+                <a:latin typeface="Amazon Ember" panose="020B0603020204020204" pitchFamily="34" charset="0"/>
+                <a:ea typeface="Amazon Ember" panose="020B0603020204020204" pitchFamily="34" charset="0"/>
+                <a:cs typeface="Amazon Ember" panose="020B0603020204020204" pitchFamily="34" charset="0"/>
+              </a:rPr>
+              <a:t>App v2</a:t>
+            </a:r>
+          </a:p>
+        </p:txBody>
+      </p:sp>
+      <p:cxnSp>
+        <p:nvCxnSpPr>
+          <p:cNvPr id="44" name="Straight Arrow Connector 43">
+            <a:extLst>
+              <a:ext uri="{FF2B5EF4-FFF2-40B4-BE49-F238E27FC236}">
+                <a16:creationId xmlns:a16="http://schemas.microsoft.com/office/drawing/2014/main" id="{CEBC3D11-4CCB-9D4C-8ED8-947B367EFCB8}"/>
+              </a:ext>
+            </a:extLst>
+          </p:cNvPr>
+          <p:cNvCxnSpPr>
+            <a:cxnSpLocks/>
+            <a:endCxn id="37" idx="0"/>
+          </p:cNvCxnSpPr>
+          <p:nvPr/>
+        </p:nvCxnSpPr>
+        <p:spPr>
+          <a:xfrm flipH="1">
+            <a:off x="9292590" y="4804822"/>
+            <a:ext cx="475205" cy="827992"/>
+          </a:xfrm>
+          <a:prstGeom prst="straightConnector1">
+            <a:avLst/>
+          </a:prstGeom>
+          <a:ln w="12700">
+            <a:solidFill>
+              <a:schemeClr val="tx1"/>
+            </a:solidFill>
+            <a:headEnd type="none" w="med" len="sm"/>
+            <a:tailEnd type="arrow" w="med" len="sm"/>
+          </a:ln>
+        </p:spPr>
+        <p:style>
+          <a:lnRef idx="1">
+            <a:schemeClr val="accent1"/>
+          </a:lnRef>
+          <a:fillRef idx="0">
+            <a:schemeClr val="accent1"/>
+          </a:fillRef>
+          <a:effectRef idx="0">
+            <a:schemeClr val="accent1"/>
+          </a:effectRef>
+          <a:fontRef idx="minor">
+            <a:schemeClr val="tx1"/>
+          </a:fontRef>
+        </p:style>
+      </p:cxnSp>
+      <p:sp>
+        <p:nvSpPr>
+          <p:cNvPr id="45" name="TextBox 44">
+            <a:extLst>
+              <a:ext uri="{FF2B5EF4-FFF2-40B4-BE49-F238E27FC236}">
+                <a16:creationId xmlns:a16="http://schemas.microsoft.com/office/drawing/2014/main" id="{5E22947B-5153-7140-9D8E-4E5F3F730709}"/>
+              </a:ext>
+            </a:extLst>
+          </p:cNvPr>
+          <p:cNvSpPr txBox="1"/>
+          <p:nvPr/>
+        </p:nvSpPr>
+        <p:spPr>
+          <a:xfrm>
+            <a:off x="8710272" y="6416517"/>
+            <a:ext cx="1154483" cy="369332"/>
+          </a:xfrm>
+          <a:prstGeom prst="rect">
+            <a:avLst/>
+          </a:prstGeom>
+          <a:noFill/>
+        </p:spPr>
+        <p:txBody>
+          <a:bodyPr wrap="none" rtlCol="0">
+            <a:spAutoFit/>
+          </a:bodyPr>
+          <a:lstStyle/>
+          <a:p>
+            <a:r>
+              <a:rPr lang="en-US" dirty="0">
+                <a:latin typeface="Amazon Ember" panose="020B0603020204020204" pitchFamily="34" charset="0"/>
+                <a:ea typeface="Amazon Ember" panose="020B0603020204020204" pitchFamily="34" charset="0"/>
+                <a:cs typeface="Amazon Ember" panose="020B0603020204020204" pitchFamily="34" charset="0"/>
+              </a:rPr>
+              <a:t>Database</a:t>
+            </a:r>
+          </a:p>
+        </p:txBody>
+      </p:sp>
+      <p:sp>
+        <p:nvSpPr>
+          <p:cNvPr id="46" name="TextBox 45">
+            <a:extLst>
+              <a:ext uri="{FF2B5EF4-FFF2-40B4-BE49-F238E27FC236}">
+                <a16:creationId xmlns:a16="http://schemas.microsoft.com/office/drawing/2014/main" id="{08A02FB5-8412-DA4F-A137-02F21B9AA625}"/>
+              </a:ext>
+            </a:extLst>
+          </p:cNvPr>
+          <p:cNvSpPr txBox="1"/>
+          <p:nvPr/>
+        </p:nvSpPr>
+        <p:spPr>
+          <a:xfrm>
+            <a:off x="9734155" y="1411714"/>
+            <a:ext cx="2052165" cy="646331"/>
+          </a:xfrm>
+          <a:prstGeom prst="rect">
+            <a:avLst/>
+          </a:prstGeom>
+          <a:noFill/>
+        </p:spPr>
+        <p:txBody>
+          <a:bodyPr wrap="none" rtlCol="0">
+            <a:spAutoFit/>
+          </a:bodyPr>
+          <a:lstStyle/>
+          <a:p>
+            <a:r>
+              <a:rPr lang="en-US" dirty="0">
+                <a:latin typeface="Amazon Ember" panose="020B0603020204020204" pitchFamily="34" charset="0"/>
+                <a:ea typeface="Amazon Ember" panose="020B0603020204020204" pitchFamily="34" charset="0"/>
+                <a:cs typeface="Amazon Ember" panose="020B0603020204020204" pitchFamily="34" charset="0"/>
+              </a:rPr>
+              <a:t>Amazon Route 53</a:t>
+            </a:r>
+          </a:p>
+          <a:p>
+            <a:r>
+              <a:rPr lang="en-US" dirty="0">
+                <a:latin typeface="Amazon Ember" panose="020B0603020204020204" pitchFamily="34" charset="0"/>
+                <a:ea typeface="Amazon Ember" panose="020B0603020204020204" pitchFamily="34" charset="0"/>
+                <a:cs typeface="Amazon Ember" panose="020B0603020204020204" pitchFamily="34" charset="0"/>
+              </a:rPr>
+              <a:t>DNS Endpoint</a:t>
+            </a:r>
+          </a:p>
+        </p:txBody>
+      </p:sp>
+      <p:cxnSp>
+        <p:nvCxnSpPr>
+          <p:cNvPr id="49" name="Straight Arrow Connector 48">
+            <a:extLst>
+              <a:ext uri="{FF2B5EF4-FFF2-40B4-BE49-F238E27FC236}">
+                <a16:creationId xmlns:a16="http://schemas.microsoft.com/office/drawing/2014/main" id="{84A045AA-C127-FF4A-BF3E-E9B246F99273}"/>
+              </a:ext>
+            </a:extLst>
+          </p:cNvPr>
+          <p:cNvCxnSpPr/>
+          <p:nvPr/>
+        </p:nvCxnSpPr>
+        <p:spPr>
+          <a:xfrm>
+            <a:off x="5398621" y="4480280"/>
+            <a:ext cx="1645920" cy="0"/>
+          </a:xfrm>
+          <a:prstGeom prst="straightConnector1">
+            <a:avLst/>
+          </a:prstGeom>
+          <a:ln w="12700">
+            <a:solidFill>
+              <a:srgbClr val="545B64"/>
+            </a:solidFill>
+            <a:headEnd type="none" w="med" len="sm"/>
+            <a:tailEnd type="arrow" w="med" len="sm"/>
+          </a:ln>
+        </p:spPr>
+        <p:style>
+          <a:lnRef idx="1">
+            <a:schemeClr val="accent1"/>
+          </a:lnRef>
+          <a:fillRef idx="0">
+            <a:schemeClr val="accent1"/>
+          </a:fillRef>
+          <a:effectRef idx="0">
+            <a:schemeClr val="accent1"/>
+          </a:effectRef>
+          <a:fontRef idx="minor">
+            <a:schemeClr val="tx1"/>
+          </a:fontRef>
+        </p:style>
+      </p:cxnSp>
     </p:spTree>
     <p:extLst>
       <p:ext uri="{BB962C8B-B14F-4D97-AF65-F5344CB8AC3E}">

--- a/docs/VulnManagementArchDiagrams.pptx
+++ b/docs/VulnManagementArchDiagrams.pptx
@@ -8,6 +8,8 @@
     <p:sldId id="257" r:id="rId2"/>
     <p:sldId id="258" r:id="rId3"/>
     <p:sldId id="259" r:id="rId4"/>
+    <p:sldId id="260" r:id="rId5"/>
+    <p:sldId id="261" r:id="rId6"/>
   </p:sldIdLst>
   <p:sldSz cx="12192000" cy="6858000"/>
   <p:notesSz cx="6858000" cy="9144000"/>
@@ -11284,6 +11286,1192 @@
 </p:sld>
 </file>
 
+<file path=ppt/slides/slide4.xml><?xml version="1.0" encoding="utf-8"?>
+<p:sld xmlns:a="http://schemas.openxmlformats.org/drawingml/2006/main" xmlns:r="http://schemas.openxmlformats.org/officeDocument/2006/relationships" xmlns:p="http://schemas.openxmlformats.org/presentationml/2006/main">
+  <p:cSld>
+    <p:spTree>
+      <p:nvGrpSpPr>
+        <p:cNvPr id="1" name=""/>
+        <p:cNvGrpSpPr/>
+        <p:nvPr/>
+      </p:nvGrpSpPr>
+      <p:grpSpPr>
+        <a:xfrm>
+          <a:off x="0" y="0"/>
+          <a:ext cx="0" cy="0"/>
+          <a:chOff x="0" y="0"/>
+          <a:chExt cx="0" cy="0"/>
+        </a:xfrm>
+      </p:grpSpPr>
+      <p:pic>
+        <p:nvPicPr>
+          <p:cNvPr id="4" name="Graphic 3">
+            <a:extLst>
+              <a:ext uri="{FF2B5EF4-FFF2-40B4-BE49-F238E27FC236}">
+                <a16:creationId xmlns:a16="http://schemas.microsoft.com/office/drawing/2014/main" id="{B230D96A-468C-FE41-A43A-9BFADB91893A}"/>
+              </a:ext>
+            </a:extLst>
+          </p:cNvPr>
+          <p:cNvPicPr>
+            <a:picLocks noChangeAspect="1"/>
+          </p:cNvPicPr>
+          <p:nvPr/>
+        </p:nvPicPr>
+        <p:blipFill>
+          <a:blip r:embed="rId2">
+            <a:extLst>
+              <a:ext uri="{96DAC541-7B7A-43D3-8B79-37D633B846F1}">
+                <asvg:svgBlip xmlns:asvg="http://schemas.microsoft.com/office/drawing/2016/SVG/main" r:embed="rId3"/>
+              </a:ext>
+            </a:extLst>
+          </a:blip>
+          <a:stretch>
+            <a:fillRect/>
+          </a:stretch>
+        </p:blipFill>
+        <p:spPr>
+          <a:xfrm>
+            <a:off x="5737815" y="10184"/>
+            <a:ext cx="1371600" cy="1371600"/>
+          </a:xfrm>
+          <a:prstGeom prst="rect">
+            <a:avLst/>
+          </a:prstGeom>
+        </p:spPr>
+      </p:pic>
+      <p:pic>
+        <p:nvPicPr>
+          <p:cNvPr id="5" name="Graphic 4">
+            <a:extLst>
+              <a:ext uri="{FF2B5EF4-FFF2-40B4-BE49-F238E27FC236}">
+                <a16:creationId xmlns:a16="http://schemas.microsoft.com/office/drawing/2014/main" id="{A48CB3D5-A896-DC41-962A-8AE17FEA0A5E}"/>
+              </a:ext>
+            </a:extLst>
+          </p:cNvPr>
+          <p:cNvPicPr>
+            <a:picLocks noChangeAspect="1"/>
+          </p:cNvPicPr>
+          <p:nvPr/>
+        </p:nvPicPr>
+        <p:blipFill>
+          <a:blip r:embed="rId4">
+            <a:extLst>
+              <a:ext uri="{96DAC541-7B7A-43D3-8B79-37D633B846F1}">
+                <asvg:svgBlip xmlns:asvg="http://schemas.microsoft.com/office/drawing/2016/SVG/main" r:embed="rId5"/>
+              </a:ext>
+            </a:extLst>
+          </a:blip>
+          <a:stretch>
+            <a:fillRect/>
+          </a:stretch>
+        </p:blipFill>
+        <p:spPr>
+          <a:xfrm>
+            <a:off x="7269620" y="1962644"/>
+            <a:ext cx="1371600" cy="1371600"/>
+          </a:xfrm>
+          <a:prstGeom prst="rect">
+            <a:avLst/>
+          </a:prstGeom>
+        </p:spPr>
+      </p:pic>
+      <p:pic>
+        <p:nvPicPr>
+          <p:cNvPr id="6" name="Graphic 5">
+            <a:extLst>
+              <a:ext uri="{FF2B5EF4-FFF2-40B4-BE49-F238E27FC236}">
+                <a16:creationId xmlns:a16="http://schemas.microsoft.com/office/drawing/2014/main" id="{378CB751-05A7-8641-9A48-5806ED4B08E3}"/>
+              </a:ext>
+            </a:extLst>
+          </p:cNvPr>
+          <p:cNvPicPr>
+            <a:picLocks noChangeAspect="1"/>
+          </p:cNvPicPr>
+          <p:nvPr/>
+        </p:nvPicPr>
+        <p:blipFill>
+          <a:blip r:embed="rId6">
+            <a:extLst>
+              <a:ext uri="{96DAC541-7B7A-43D3-8B79-37D633B846F1}">
+                <asvg:svgBlip xmlns:asvg="http://schemas.microsoft.com/office/drawing/2016/SVG/main" r:embed="rId7"/>
+              </a:ext>
+            </a:extLst>
+          </a:blip>
+          <a:stretch>
+            <a:fillRect/>
+          </a:stretch>
+        </p:blipFill>
+        <p:spPr>
+          <a:xfrm>
+            <a:off x="6020814" y="3757000"/>
+            <a:ext cx="1371600" cy="1371600"/>
+          </a:xfrm>
+          <a:prstGeom prst="rect">
+            <a:avLst/>
+          </a:prstGeom>
+        </p:spPr>
+      </p:pic>
+      <p:pic>
+        <p:nvPicPr>
+          <p:cNvPr id="7" name="Graphic 6">
+            <a:extLst>
+              <a:ext uri="{FF2B5EF4-FFF2-40B4-BE49-F238E27FC236}">
+                <a16:creationId xmlns:a16="http://schemas.microsoft.com/office/drawing/2014/main" id="{19CC240A-32A6-B542-A1DE-A3F95ED689B4}"/>
+              </a:ext>
+            </a:extLst>
+          </p:cNvPr>
+          <p:cNvPicPr>
+            <a:picLocks noChangeAspect="1"/>
+          </p:cNvPicPr>
+          <p:nvPr/>
+        </p:nvPicPr>
+        <p:blipFill>
+          <a:blip r:embed="rId6">
+            <a:extLst>
+              <a:ext uri="{96DAC541-7B7A-43D3-8B79-37D633B846F1}">
+                <asvg:svgBlip xmlns:asvg="http://schemas.microsoft.com/office/drawing/2016/SVG/main" r:embed="rId7"/>
+              </a:ext>
+            </a:extLst>
+          </a:blip>
+          <a:stretch>
+            <a:fillRect/>
+          </a:stretch>
+        </p:blipFill>
+        <p:spPr>
+          <a:xfrm>
+            <a:off x="2826003" y="3754418"/>
+            <a:ext cx="1371600" cy="1371600"/>
+          </a:xfrm>
+          <a:prstGeom prst="rect">
+            <a:avLst/>
+          </a:prstGeom>
+        </p:spPr>
+      </p:pic>
+      <p:pic>
+        <p:nvPicPr>
+          <p:cNvPr id="8" name="Graphic 7">
+            <a:extLst>
+              <a:ext uri="{FF2B5EF4-FFF2-40B4-BE49-F238E27FC236}">
+                <a16:creationId xmlns:a16="http://schemas.microsoft.com/office/drawing/2014/main" id="{0AF70714-BE1F-E54D-9B24-537BF9691ED4}"/>
+              </a:ext>
+            </a:extLst>
+          </p:cNvPr>
+          <p:cNvPicPr>
+            <a:picLocks noChangeAspect="1"/>
+          </p:cNvPicPr>
+          <p:nvPr/>
+        </p:nvPicPr>
+        <p:blipFill>
+          <a:blip r:embed="rId6">
+            <a:extLst>
+              <a:ext uri="{96DAC541-7B7A-43D3-8B79-37D633B846F1}">
+                <asvg:svgBlip xmlns:asvg="http://schemas.microsoft.com/office/drawing/2016/SVG/main" r:embed="rId7"/>
+              </a:ext>
+            </a:extLst>
+          </a:blip>
+          <a:stretch>
+            <a:fillRect/>
+          </a:stretch>
+        </p:blipFill>
+        <p:spPr>
+          <a:xfrm>
+            <a:off x="4450078" y="4934202"/>
+            <a:ext cx="1371600" cy="1371600"/>
+          </a:xfrm>
+          <a:prstGeom prst="rect">
+            <a:avLst/>
+          </a:prstGeom>
+        </p:spPr>
+      </p:pic>
+      <p:pic>
+        <p:nvPicPr>
+          <p:cNvPr id="9" name="Graphic 8">
+            <a:extLst>
+              <a:ext uri="{FF2B5EF4-FFF2-40B4-BE49-F238E27FC236}">
+                <a16:creationId xmlns:a16="http://schemas.microsoft.com/office/drawing/2014/main" id="{B2E04981-19A4-5145-A9E9-AF885F486A14}"/>
+              </a:ext>
+            </a:extLst>
+          </p:cNvPr>
+          <p:cNvPicPr>
+            <a:picLocks noChangeAspect="1"/>
+          </p:cNvPicPr>
+          <p:nvPr/>
+        </p:nvPicPr>
+        <p:blipFill>
+          <a:blip r:embed="rId8">
+            <a:extLst>
+              <a:ext uri="{96DAC541-7B7A-43D3-8B79-37D633B846F1}">
+                <asvg:svgBlip xmlns:asvg="http://schemas.microsoft.com/office/drawing/2016/SVG/main" r:embed="rId9"/>
+              </a:ext>
+            </a:extLst>
+          </a:blip>
+          <a:stretch>
+            <a:fillRect/>
+          </a:stretch>
+        </p:blipFill>
+        <p:spPr>
+          <a:xfrm>
+            <a:off x="3580850" y="2794560"/>
+            <a:ext cx="548640" cy="548640"/>
+          </a:xfrm>
+          <a:prstGeom prst="rect">
+            <a:avLst/>
+          </a:prstGeom>
+        </p:spPr>
+      </p:pic>
+      <p:cxnSp>
+        <p:nvCxnSpPr>
+          <p:cNvPr id="12" name="Straight Arrow Connector 11">
+            <a:extLst>
+              <a:ext uri="{FF2B5EF4-FFF2-40B4-BE49-F238E27FC236}">
+                <a16:creationId xmlns:a16="http://schemas.microsoft.com/office/drawing/2014/main" id="{5D52CA2A-8F96-8A46-B371-777C82FFA1CF}"/>
+              </a:ext>
+            </a:extLst>
+          </p:cNvPr>
+          <p:cNvCxnSpPr>
+            <a:cxnSpLocks/>
+          </p:cNvCxnSpPr>
+          <p:nvPr/>
+        </p:nvCxnSpPr>
+        <p:spPr>
+          <a:xfrm>
+            <a:off x="5598305" y="4319627"/>
+            <a:ext cx="365760" cy="0"/>
+          </a:xfrm>
+          <a:prstGeom prst="straightConnector1">
+            <a:avLst/>
+          </a:prstGeom>
+          <a:ln w="63500">
+            <a:solidFill>
+              <a:schemeClr val="tx2"/>
+            </a:solidFill>
+            <a:headEnd type="none" w="med" len="sm"/>
+            <a:tailEnd type="arrow" w="med" len="sm"/>
+          </a:ln>
+        </p:spPr>
+        <p:style>
+          <a:lnRef idx="1">
+            <a:schemeClr val="accent1"/>
+          </a:lnRef>
+          <a:fillRef idx="0">
+            <a:schemeClr val="accent1"/>
+          </a:fillRef>
+          <a:effectRef idx="0">
+            <a:schemeClr val="accent1"/>
+          </a:effectRef>
+          <a:fontRef idx="minor">
+            <a:schemeClr val="tx1"/>
+          </a:fontRef>
+        </p:style>
+      </p:cxnSp>
+      <p:cxnSp>
+        <p:nvCxnSpPr>
+          <p:cNvPr id="15" name="Straight Arrow Connector 14">
+            <a:extLst>
+              <a:ext uri="{FF2B5EF4-FFF2-40B4-BE49-F238E27FC236}">
+                <a16:creationId xmlns:a16="http://schemas.microsoft.com/office/drawing/2014/main" id="{DA883E88-E32E-1C4A-A9D2-1372455E276B}"/>
+              </a:ext>
+            </a:extLst>
+          </p:cNvPr>
+          <p:cNvCxnSpPr>
+            <a:cxnSpLocks/>
+          </p:cNvCxnSpPr>
+          <p:nvPr/>
+        </p:nvCxnSpPr>
+        <p:spPr>
+          <a:xfrm flipH="1">
+            <a:off x="4270624" y="4319627"/>
+            <a:ext cx="365760" cy="0"/>
+          </a:xfrm>
+          <a:prstGeom prst="straightConnector1">
+            <a:avLst/>
+          </a:prstGeom>
+          <a:ln w="63500">
+            <a:solidFill>
+              <a:schemeClr val="tx2"/>
+            </a:solidFill>
+            <a:headEnd type="none" w="med" len="sm"/>
+            <a:tailEnd type="arrow" w="med" len="sm"/>
+          </a:ln>
+        </p:spPr>
+        <p:style>
+          <a:lnRef idx="1">
+            <a:schemeClr val="accent1"/>
+          </a:lnRef>
+          <a:fillRef idx="0">
+            <a:schemeClr val="accent1"/>
+          </a:fillRef>
+          <a:effectRef idx="0">
+            <a:schemeClr val="accent1"/>
+          </a:effectRef>
+          <a:fontRef idx="minor">
+            <a:schemeClr val="tx1"/>
+          </a:fontRef>
+        </p:style>
+      </p:cxnSp>
+      <p:cxnSp>
+        <p:nvCxnSpPr>
+          <p:cNvPr id="16" name="Straight Arrow Connector 15">
+            <a:extLst>
+              <a:ext uri="{FF2B5EF4-FFF2-40B4-BE49-F238E27FC236}">
+                <a16:creationId xmlns:a16="http://schemas.microsoft.com/office/drawing/2014/main" id="{A051E744-B02C-AE4F-AA3A-DD3E1C4A946F}"/>
+              </a:ext>
+            </a:extLst>
+          </p:cNvPr>
+          <p:cNvCxnSpPr>
+            <a:cxnSpLocks/>
+          </p:cNvCxnSpPr>
+          <p:nvPr/>
+        </p:nvCxnSpPr>
+        <p:spPr>
+          <a:xfrm>
+            <a:off x="5109209" y="4489942"/>
+            <a:ext cx="0" cy="365760"/>
+          </a:xfrm>
+          <a:prstGeom prst="straightConnector1">
+            <a:avLst/>
+          </a:prstGeom>
+          <a:ln w="63500">
+            <a:solidFill>
+              <a:schemeClr val="tx2"/>
+            </a:solidFill>
+            <a:headEnd type="none" w="med" len="sm"/>
+            <a:tailEnd type="arrow" w="med" len="sm"/>
+          </a:ln>
+        </p:spPr>
+        <p:style>
+          <a:lnRef idx="1">
+            <a:schemeClr val="accent1"/>
+          </a:lnRef>
+          <a:fillRef idx="0">
+            <a:schemeClr val="accent1"/>
+          </a:fillRef>
+          <a:effectRef idx="0">
+            <a:schemeClr val="accent1"/>
+          </a:effectRef>
+          <a:fontRef idx="minor">
+            <a:schemeClr val="tx1"/>
+          </a:fontRef>
+        </p:style>
+      </p:cxnSp>
+      <p:sp>
+        <p:nvSpPr>
+          <p:cNvPr id="20" name="TextBox 19">
+            <a:extLst>
+              <a:ext uri="{FF2B5EF4-FFF2-40B4-BE49-F238E27FC236}">
+                <a16:creationId xmlns:a16="http://schemas.microsoft.com/office/drawing/2014/main" id="{FD49C389-25E7-3A4C-8F00-E5D479BD5685}"/>
+              </a:ext>
+            </a:extLst>
+          </p:cNvPr>
+          <p:cNvSpPr txBox="1"/>
+          <p:nvPr/>
+        </p:nvSpPr>
+        <p:spPr>
+          <a:xfrm>
+            <a:off x="4636384" y="4120610"/>
+            <a:ext cx="998991" cy="369332"/>
+          </a:xfrm>
+          <a:prstGeom prst="rect">
+            <a:avLst/>
+          </a:prstGeom>
+          <a:noFill/>
+        </p:spPr>
+        <p:txBody>
+          <a:bodyPr wrap="none" rtlCol="0">
+            <a:spAutoFit/>
+          </a:bodyPr>
+          <a:lstStyle/>
+          <a:p>
+            <a:r>
+              <a:rPr lang="en-US" b="1" dirty="0">
+                <a:latin typeface="Amazon Ember" panose="020B0603020204020204" pitchFamily="34" charset="0"/>
+                <a:ea typeface="Amazon Ember" panose="020B0603020204020204" pitchFamily="34" charset="0"/>
+                <a:cs typeface="Amazon Ember" panose="020B0603020204020204" pitchFamily="34" charset="0"/>
+              </a:rPr>
+              <a:t>Targets</a:t>
+            </a:r>
+          </a:p>
+        </p:txBody>
+      </p:sp>
+      <p:sp>
+        <p:nvSpPr>
+          <p:cNvPr id="22" name="TextBox 21">
+            <a:extLst>
+              <a:ext uri="{FF2B5EF4-FFF2-40B4-BE49-F238E27FC236}">
+                <a16:creationId xmlns:a16="http://schemas.microsoft.com/office/drawing/2014/main" id="{8E3AD85B-75DE-854B-BD55-3919876F8009}"/>
+              </a:ext>
+            </a:extLst>
+          </p:cNvPr>
+          <p:cNvSpPr txBox="1"/>
+          <p:nvPr/>
+        </p:nvSpPr>
+        <p:spPr>
+          <a:xfrm>
+            <a:off x="4458811" y="6230413"/>
+            <a:ext cx="1390124" cy="307777"/>
+          </a:xfrm>
+          <a:prstGeom prst="rect">
+            <a:avLst/>
+          </a:prstGeom>
+          <a:noFill/>
+        </p:spPr>
+        <p:txBody>
+          <a:bodyPr wrap="none" rtlCol="0">
+            <a:spAutoFit/>
+          </a:bodyPr>
+          <a:lstStyle/>
+          <a:p>
+            <a:r>
+              <a:rPr lang="en-US" sz="1400" b="1" dirty="0">
+                <a:latin typeface="Amazon Ember" panose="020B0603020204020204" pitchFamily="34" charset="0"/>
+                <a:ea typeface="Amazon Ember" panose="020B0603020204020204" pitchFamily="34" charset="0"/>
+                <a:cs typeface="Amazon Ember" panose="020B0603020204020204" pitchFamily="34" charset="0"/>
+              </a:rPr>
+              <a:t>Patch Group B</a:t>
+            </a:r>
+          </a:p>
+        </p:txBody>
+      </p:sp>
+      <p:sp>
+        <p:nvSpPr>
+          <p:cNvPr id="23" name="TextBox 22">
+            <a:extLst>
+              <a:ext uri="{FF2B5EF4-FFF2-40B4-BE49-F238E27FC236}">
+                <a16:creationId xmlns:a16="http://schemas.microsoft.com/office/drawing/2014/main" id="{2D2895EC-136F-604E-A7C7-8623C03A81EA}"/>
+              </a:ext>
+            </a:extLst>
+          </p:cNvPr>
+          <p:cNvSpPr txBox="1"/>
+          <p:nvPr/>
+        </p:nvSpPr>
+        <p:spPr>
+          <a:xfrm>
+            <a:off x="2850179" y="5152220"/>
+            <a:ext cx="1394934" cy="307777"/>
+          </a:xfrm>
+          <a:prstGeom prst="rect">
+            <a:avLst/>
+          </a:prstGeom>
+          <a:noFill/>
+        </p:spPr>
+        <p:txBody>
+          <a:bodyPr wrap="none" rtlCol="0">
+            <a:spAutoFit/>
+          </a:bodyPr>
+          <a:lstStyle/>
+          <a:p>
+            <a:r>
+              <a:rPr lang="en-US" sz="1400" b="1" dirty="0">
+                <a:latin typeface="Amazon Ember" panose="020B0603020204020204" pitchFamily="34" charset="0"/>
+                <a:ea typeface="Amazon Ember" panose="020B0603020204020204" pitchFamily="34" charset="0"/>
+                <a:cs typeface="Amazon Ember" panose="020B0603020204020204" pitchFamily="34" charset="0"/>
+              </a:rPr>
+              <a:t>Patch Group A</a:t>
+            </a:r>
+          </a:p>
+        </p:txBody>
+      </p:sp>
+      <p:sp>
+        <p:nvSpPr>
+          <p:cNvPr id="24" name="TextBox 23">
+            <a:extLst>
+              <a:ext uri="{FF2B5EF4-FFF2-40B4-BE49-F238E27FC236}">
+                <a16:creationId xmlns:a16="http://schemas.microsoft.com/office/drawing/2014/main" id="{4CD7D13F-A035-C546-8403-52BFE83402C2}"/>
+              </a:ext>
+            </a:extLst>
+          </p:cNvPr>
+          <p:cNvSpPr txBox="1"/>
+          <p:nvPr/>
+        </p:nvSpPr>
+        <p:spPr>
+          <a:xfrm>
+            <a:off x="5914233" y="5152220"/>
+            <a:ext cx="1649811" cy="307777"/>
+          </a:xfrm>
+          <a:prstGeom prst="rect">
+            <a:avLst/>
+          </a:prstGeom>
+          <a:noFill/>
+        </p:spPr>
+        <p:txBody>
+          <a:bodyPr wrap="none" rtlCol="0">
+            <a:spAutoFit/>
+          </a:bodyPr>
+          <a:lstStyle/>
+          <a:p>
+            <a:r>
+              <a:rPr lang="en-US" sz="1400" b="1" dirty="0">
+                <a:latin typeface="Amazon Ember" panose="020B0603020204020204" pitchFamily="34" charset="0"/>
+                <a:ea typeface="Amazon Ember" panose="020B0603020204020204" pitchFamily="34" charset="0"/>
+                <a:cs typeface="Amazon Ember" panose="020B0603020204020204" pitchFamily="34" charset="0"/>
+              </a:rPr>
+              <a:t>Tagged Instances</a:t>
+            </a:r>
+          </a:p>
+        </p:txBody>
+      </p:sp>
+      <p:sp>
+        <p:nvSpPr>
+          <p:cNvPr id="26" name="TextBox 25">
+            <a:extLst>
+              <a:ext uri="{FF2B5EF4-FFF2-40B4-BE49-F238E27FC236}">
+                <a16:creationId xmlns:a16="http://schemas.microsoft.com/office/drawing/2014/main" id="{6780899F-5B3F-584A-8665-6A0658072198}"/>
+              </a:ext>
+            </a:extLst>
+          </p:cNvPr>
+          <p:cNvSpPr txBox="1"/>
+          <p:nvPr/>
+        </p:nvSpPr>
+        <p:spPr>
+          <a:xfrm>
+            <a:off x="8581306" y="2386834"/>
+            <a:ext cx="1271502" cy="523220"/>
+          </a:xfrm>
+          <a:prstGeom prst="rect">
+            <a:avLst/>
+          </a:prstGeom>
+          <a:noFill/>
+        </p:spPr>
+        <p:txBody>
+          <a:bodyPr wrap="none" rtlCol="0">
+            <a:spAutoFit/>
+          </a:bodyPr>
+          <a:lstStyle/>
+          <a:p>
+            <a:r>
+              <a:rPr lang="en-US" sz="1400" b="1" dirty="0">
+                <a:latin typeface="Amazon Ember" panose="020B0603020204020204" pitchFamily="34" charset="0"/>
+                <a:ea typeface="Amazon Ember" panose="020B0603020204020204" pitchFamily="34" charset="0"/>
+                <a:cs typeface="Amazon Ember" panose="020B0603020204020204" pitchFamily="34" charset="0"/>
+              </a:rPr>
+              <a:t>Maintenance</a:t>
+            </a:r>
+          </a:p>
+          <a:p>
+            <a:r>
+              <a:rPr lang="en-US" sz="1400" b="1" dirty="0">
+                <a:latin typeface="Amazon Ember" panose="020B0603020204020204" pitchFamily="34" charset="0"/>
+                <a:ea typeface="Amazon Ember" panose="020B0603020204020204" pitchFamily="34" charset="0"/>
+                <a:cs typeface="Amazon Ember" panose="020B0603020204020204" pitchFamily="34" charset="0"/>
+              </a:rPr>
+              <a:t>Window</a:t>
+            </a:r>
+          </a:p>
+        </p:txBody>
+      </p:sp>
+      <p:sp>
+        <p:nvSpPr>
+          <p:cNvPr id="27" name="TextBox 26">
+            <a:extLst>
+              <a:ext uri="{FF2B5EF4-FFF2-40B4-BE49-F238E27FC236}">
+                <a16:creationId xmlns:a16="http://schemas.microsoft.com/office/drawing/2014/main" id="{D427BF5C-B7C7-B744-A89A-883F97AF219F}"/>
+              </a:ext>
+            </a:extLst>
+          </p:cNvPr>
+          <p:cNvSpPr txBox="1"/>
+          <p:nvPr/>
+        </p:nvSpPr>
+        <p:spPr>
+          <a:xfrm>
+            <a:off x="5572552" y="1377920"/>
+            <a:ext cx="1665841" cy="523220"/>
+          </a:xfrm>
+          <a:prstGeom prst="rect">
+            <a:avLst/>
+          </a:prstGeom>
+          <a:noFill/>
+        </p:spPr>
+        <p:txBody>
+          <a:bodyPr wrap="none" rtlCol="0">
+            <a:spAutoFit/>
+          </a:bodyPr>
+          <a:lstStyle/>
+          <a:p>
+            <a:pPr algn="ctr"/>
+            <a:r>
+              <a:rPr lang="en-US" sz="1400" b="1" dirty="0">
+                <a:latin typeface="Amazon Ember" panose="020B0603020204020204" pitchFamily="34" charset="0"/>
+                <a:ea typeface="Amazon Ember" panose="020B0603020204020204" pitchFamily="34" charset="0"/>
+                <a:cs typeface="Amazon Ember" panose="020B0603020204020204" pitchFamily="34" charset="0"/>
+              </a:rPr>
+              <a:t>AWS</a:t>
+            </a:r>
+          </a:p>
+          <a:p>
+            <a:pPr algn="ctr"/>
+            <a:r>
+              <a:rPr lang="en-US" sz="1400" b="1" dirty="0">
+                <a:latin typeface="Amazon Ember" panose="020B0603020204020204" pitchFamily="34" charset="0"/>
+                <a:ea typeface="Amazon Ember" panose="020B0603020204020204" pitchFamily="34" charset="0"/>
+                <a:cs typeface="Amazon Ember" panose="020B0603020204020204" pitchFamily="34" charset="0"/>
+              </a:rPr>
+              <a:t>Systems Manager</a:t>
+            </a:r>
+          </a:p>
+        </p:txBody>
+      </p:sp>
+      <p:cxnSp>
+        <p:nvCxnSpPr>
+          <p:cNvPr id="28" name="Straight Arrow Connector 27">
+            <a:extLst>
+              <a:ext uri="{FF2B5EF4-FFF2-40B4-BE49-F238E27FC236}">
+                <a16:creationId xmlns:a16="http://schemas.microsoft.com/office/drawing/2014/main" id="{B7A2CFA1-485E-454B-9B5E-838A0663C29A}"/>
+              </a:ext>
+            </a:extLst>
+          </p:cNvPr>
+          <p:cNvCxnSpPr>
+            <a:cxnSpLocks/>
+          </p:cNvCxnSpPr>
+          <p:nvPr/>
+        </p:nvCxnSpPr>
+        <p:spPr>
+          <a:xfrm flipH="1">
+            <a:off x="7238393" y="4267832"/>
+            <a:ext cx="717027" cy="0"/>
+          </a:xfrm>
+          <a:prstGeom prst="straightConnector1">
+            <a:avLst/>
+          </a:prstGeom>
+          <a:ln w="63500">
+            <a:solidFill>
+              <a:schemeClr val="tx2"/>
+            </a:solidFill>
+            <a:headEnd type="none" w="med" len="sm"/>
+            <a:tailEnd type="arrow" w="med" len="sm"/>
+          </a:ln>
+        </p:spPr>
+        <p:style>
+          <a:lnRef idx="1">
+            <a:schemeClr val="accent1"/>
+          </a:lnRef>
+          <a:fillRef idx="0">
+            <a:schemeClr val="accent1"/>
+          </a:fillRef>
+          <a:effectRef idx="0">
+            <a:schemeClr val="accent1"/>
+          </a:effectRef>
+          <a:fontRef idx="minor">
+            <a:schemeClr val="tx1"/>
+          </a:fontRef>
+        </p:style>
+      </p:cxnSp>
+      <p:sp>
+        <p:nvSpPr>
+          <p:cNvPr id="30" name="Rounded Rectangle 29">
+            <a:extLst>
+              <a:ext uri="{FF2B5EF4-FFF2-40B4-BE49-F238E27FC236}">
+                <a16:creationId xmlns:a16="http://schemas.microsoft.com/office/drawing/2014/main" id="{CF929FB2-19B0-AA4D-8696-3960D717E662}"/>
+              </a:ext>
+            </a:extLst>
+          </p:cNvPr>
+          <p:cNvSpPr/>
+          <p:nvPr/>
+        </p:nvSpPr>
+        <p:spPr>
+          <a:xfrm>
+            <a:off x="4007605" y="2210915"/>
+            <a:ext cx="2194890" cy="808252"/>
+          </a:xfrm>
+          <a:prstGeom prst="roundRect">
+            <a:avLst/>
+          </a:prstGeom>
+        </p:spPr>
+        <p:style>
+          <a:lnRef idx="2">
+            <a:schemeClr val="dk1">
+              <a:shade val="50000"/>
+            </a:schemeClr>
+          </a:lnRef>
+          <a:fillRef idx="1">
+            <a:schemeClr val="dk1"/>
+          </a:fillRef>
+          <a:effectRef idx="0">
+            <a:schemeClr val="dk1"/>
+          </a:effectRef>
+          <a:fontRef idx="minor">
+            <a:schemeClr val="lt1"/>
+          </a:fontRef>
+        </p:style>
+        <p:txBody>
+          <a:bodyPr rtlCol="0" anchor="ctr"/>
+          <a:lstStyle/>
+          <a:p>
+            <a:pPr algn="ctr"/>
+            <a:r>
+              <a:rPr lang="en-US" dirty="0">
+                <a:latin typeface="Arial" panose="020B0604020202020204" pitchFamily="34" charset="0"/>
+                <a:cs typeface="Arial" panose="020B0604020202020204" pitchFamily="34" charset="0"/>
+              </a:rPr>
+              <a:t>AWS-</a:t>
+            </a:r>
+          </a:p>
+          <a:p>
+            <a:pPr algn="ctr"/>
+            <a:r>
+              <a:rPr lang="en-US" dirty="0" err="1">
+                <a:latin typeface="Arial" panose="020B0604020202020204" pitchFamily="34" charset="0"/>
+                <a:cs typeface="Arial" panose="020B0604020202020204" pitchFamily="34" charset="0"/>
+              </a:rPr>
+              <a:t>RunPatchBaseline</a:t>
+            </a:r>
+            <a:endParaRPr lang="en-US" dirty="0">
+              <a:latin typeface="Arial" panose="020B0604020202020204" pitchFamily="34" charset="0"/>
+              <a:cs typeface="Arial" panose="020B0604020202020204" pitchFamily="34" charset="0"/>
+            </a:endParaRPr>
+          </a:p>
+        </p:txBody>
+      </p:sp>
+      <p:sp>
+        <p:nvSpPr>
+          <p:cNvPr id="31" name="TextBox 30">
+            <a:extLst>
+              <a:ext uri="{FF2B5EF4-FFF2-40B4-BE49-F238E27FC236}">
+                <a16:creationId xmlns:a16="http://schemas.microsoft.com/office/drawing/2014/main" id="{2A075454-90F9-344E-BE64-3C359ADCBF31}"/>
+              </a:ext>
+            </a:extLst>
+          </p:cNvPr>
+          <p:cNvSpPr txBox="1"/>
+          <p:nvPr/>
+        </p:nvSpPr>
+        <p:spPr>
+          <a:xfrm>
+            <a:off x="2682092" y="2772958"/>
+            <a:ext cx="973343" cy="523220"/>
+          </a:xfrm>
+          <a:prstGeom prst="rect">
+            <a:avLst/>
+          </a:prstGeom>
+          <a:noFill/>
+        </p:spPr>
+        <p:txBody>
+          <a:bodyPr wrap="none" rtlCol="0">
+            <a:spAutoFit/>
+          </a:bodyPr>
+          <a:lstStyle/>
+          <a:p>
+            <a:r>
+              <a:rPr lang="en-US" sz="1400" b="1" dirty="0">
+                <a:latin typeface="Amazon Ember" panose="020B0603020204020204" pitchFamily="34" charset="0"/>
+                <a:ea typeface="Amazon Ember" panose="020B0603020204020204" pitchFamily="34" charset="0"/>
+                <a:cs typeface="Amazon Ember" panose="020B0603020204020204" pitchFamily="34" charset="0"/>
+              </a:rPr>
+              <a:t>Patch</a:t>
+            </a:r>
+          </a:p>
+          <a:p>
+            <a:r>
+              <a:rPr lang="en-US" sz="1400" b="1" dirty="0">
+                <a:latin typeface="Amazon Ember" panose="020B0603020204020204" pitchFamily="34" charset="0"/>
+                <a:ea typeface="Amazon Ember" panose="020B0603020204020204" pitchFamily="34" charset="0"/>
+                <a:cs typeface="Amazon Ember" panose="020B0603020204020204" pitchFamily="34" charset="0"/>
+              </a:rPr>
+              <a:t>Baselines</a:t>
+            </a:r>
+          </a:p>
+        </p:txBody>
+      </p:sp>
+      <p:cxnSp>
+        <p:nvCxnSpPr>
+          <p:cNvPr id="32" name="Straight Arrow Connector 31">
+            <a:extLst>
+              <a:ext uri="{FF2B5EF4-FFF2-40B4-BE49-F238E27FC236}">
+                <a16:creationId xmlns:a16="http://schemas.microsoft.com/office/drawing/2014/main" id="{53522AED-4FFA-0249-87A2-A1C1D3005956}"/>
+              </a:ext>
+            </a:extLst>
+          </p:cNvPr>
+          <p:cNvCxnSpPr>
+            <a:cxnSpLocks/>
+          </p:cNvCxnSpPr>
+          <p:nvPr/>
+        </p:nvCxnSpPr>
+        <p:spPr>
+          <a:xfrm flipV="1">
+            <a:off x="5109208" y="3394376"/>
+            <a:ext cx="1" cy="747070"/>
+          </a:xfrm>
+          <a:prstGeom prst="straightConnector1">
+            <a:avLst/>
+          </a:prstGeom>
+          <a:ln w="63500">
+            <a:solidFill>
+              <a:schemeClr val="tx2"/>
+            </a:solidFill>
+            <a:headEnd type="none" w="med" len="sm"/>
+            <a:tailEnd type="arrow" w="med" len="sm"/>
+          </a:ln>
+        </p:spPr>
+        <p:style>
+          <a:lnRef idx="1">
+            <a:schemeClr val="accent1"/>
+          </a:lnRef>
+          <a:fillRef idx="0">
+            <a:schemeClr val="accent1"/>
+          </a:fillRef>
+          <a:effectRef idx="0">
+            <a:schemeClr val="accent1"/>
+          </a:effectRef>
+          <a:fontRef idx="minor">
+            <a:schemeClr val="tx1"/>
+          </a:fontRef>
+        </p:style>
+      </p:cxnSp>
+      <p:sp>
+        <p:nvSpPr>
+          <p:cNvPr id="34" name="TextBox 33">
+            <a:extLst>
+              <a:ext uri="{FF2B5EF4-FFF2-40B4-BE49-F238E27FC236}">
+                <a16:creationId xmlns:a16="http://schemas.microsoft.com/office/drawing/2014/main" id="{62C1A468-3DAA-A043-B89B-938EB38FFE44}"/>
+              </a:ext>
+            </a:extLst>
+          </p:cNvPr>
+          <p:cNvSpPr txBox="1"/>
+          <p:nvPr/>
+        </p:nvSpPr>
+        <p:spPr>
+          <a:xfrm>
+            <a:off x="3584218" y="1797129"/>
+            <a:ext cx="686406" cy="369332"/>
+          </a:xfrm>
+          <a:prstGeom prst="rect">
+            <a:avLst/>
+          </a:prstGeom>
+          <a:noFill/>
+        </p:spPr>
+        <p:txBody>
+          <a:bodyPr wrap="none" rtlCol="0">
+            <a:spAutoFit/>
+          </a:bodyPr>
+          <a:lstStyle/>
+          <a:p>
+            <a:r>
+              <a:rPr lang="en-US" b="1" dirty="0">
+                <a:latin typeface="Amazon Ember" panose="020B0603020204020204" pitchFamily="34" charset="0"/>
+                <a:ea typeface="Amazon Ember" panose="020B0603020204020204" pitchFamily="34" charset="0"/>
+                <a:cs typeface="Amazon Ember" panose="020B0603020204020204" pitchFamily="34" charset="0"/>
+              </a:rPr>
+              <a:t>Task</a:t>
+            </a:r>
+          </a:p>
+        </p:txBody>
+      </p:sp>
+      <p:cxnSp>
+        <p:nvCxnSpPr>
+          <p:cNvPr id="35" name="Straight Arrow Connector 34">
+            <a:extLst>
+              <a:ext uri="{FF2B5EF4-FFF2-40B4-BE49-F238E27FC236}">
+                <a16:creationId xmlns:a16="http://schemas.microsoft.com/office/drawing/2014/main" id="{E1B1A78B-2244-7F43-8E2C-6C56399110C5}"/>
+              </a:ext>
+            </a:extLst>
+          </p:cNvPr>
+          <p:cNvCxnSpPr>
+            <a:cxnSpLocks/>
+          </p:cNvCxnSpPr>
+          <p:nvPr/>
+        </p:nvCxnSpPr>
+        <p:spPr>
+          <a:xfrm>
+            <a:off x="5036816" y="670755"/>
+            <a:ext cx="597379" cy="0"/>
+          </a:xfrm>
+          <a:prstGeom prst="straightConnector1">
+            <a:avLst/>
+          </a:prstGeom>
+          <a:ln w="63500">
+            <a:solidFill>
+              <a:schemeClr val="tx2"/>
+            </a:solidFill>
+            <a:headEnd type="none" w="med" len="sm"/>
+            <a:tailEnd type="arrow" w="med" len="sm"/>
+          </a:ln>
+        </p:spPr>
+        <p:style>
+          <a:lnRef idx="1">
+            <a:schemeClr val="accent1"/>
+          </a:lnRef>
+          <a:fillRef idx="0">
+            <a:schemeClr val="accent1"/>
+          </a:fillRef>
+          <a:effectRef idx="0">
+            <a:schemeClr val="accent1"/>
+          </a:effectRef>
+          <a:fontRef idx="minor">
+            <a:schemeClr val="tx1"/>
+          </a:fontRef>
+        </p:style>
+      </p:cxnSp>
+      <p:cxnSp>
+        <p:nvCxnSpPr>
+          <p:cNvPr id="37" name="Straight Arrow Connector 36">
+            <a:extLst>
+              <a:ext uri="{FF2B5EF4-FFF2-40B4-BE49-F238E27FC236}">
+                <a16:creationId xmlns:a16="http://schemas.microsoft.com/office/drawing/2014/main" id="{F194B710-CE6C-4B42-A79B-5A4D03CA352A}"/>
+              </a:ext>
+            </a:extLst>
+          </p:cNvPr>
+          <p:cNvCxnSpPr>
+            <a:cxnSpLocks/>
+          </p:cNvCxnSpPr>
+          <p:nvPr/>
+        </p:nvCxnSpPr>
+        <p:spPr>
+          <a:xfrm>
+            <a:off x="7901596" y="695984"/>
+            <a:ext cx="0" cy="1115568"/>
+          </a:xfrm>
+          <a:prstGeom prst="straightConnector1">
+            <a:avLst/>
+          </a:prstGeom>
+          <a:ln w="63500">
+            <a:solidFill>
+              <a:schemeClr val="tx2"/>
+            </a:solidFill>
+            <a:headEnd type="none" w="med" len="sm"/>
+            <a:tailEnd type="arrow" w="med" len="sm"/>
+          </a:ln>
+        </p:spPr>
+        <p:style>
+          <a:lnRef idx="1">
+            <a:schemeClr val="accent1"/>
+          </a:lnRef>
+          <a:fillRef idx="0">
+            <a:schemeClr val="accent1"/>
+          </a:fillRef>
+          <a:effectRef idx="0">
+            <a:schemeClr val="accent1"/>
+          </a:effectRef>
+          <a:fontRef idx="minor">
+            <a:schemeClr val="tx1"/>
+          </a:fontRef>
+        </p:style>
+      </p:cxnSp>
+      <p:cxnSp>
+        <p:nvCxnSpPr>
+          <p:cNvPr id="39" name="Straight Arrow Connector 38">
+            <a:extLst>
+              <a:ext uri="{FF2B5EF4-FFF2-40B4-BE49-F238E27FC236}">
+                <a16:creationId xmlns:a16="http://schemas.microsoft.com/office/drawing/2014/main" id="{45E8CFF1-30EA-7248-927E-C031C7867A7F}"/>
+              </a:ext>
+            </a:extLst>
+          </p:cNvPr>
+          <p:cNvCxnSpPr>
+            <a:cxnSpLocks/>
+          </p:cNvCxnSpPr>
+          <p:nvPr/>
+        </p:nvCxnSpPr>
+        <p:spPr>
+          <a:xfrm flipV="1">
+            <a:off x="5036816" y="643323"/>
+            <a:ext cx="0" cy="1220890"/>
+          </a:xfrm>
+          <a:prstGeom prst="straightConnector1">
+            <a:avLst/>
+          </a:prstGeom>
+          <a:ln w="63500">
+            <a:solidFill>
+              <a:srgbClr val="545B64"/>
+            </a:solidFill>
+            <a:headEnd type="none" w="med" len="sm"/>
+            <a:tailEnd type="none" w="med" len="sm"/>
+          </a:ln>
+        </p:spPr>
+        <p:style>
+          <a:lnRef idx="1">
+            <a:schemeClr val="accent1"/>
+          </a:lnRef>
+          <a:fillRef idx="0">
+            <a:schemeClr val="accent1"/>
+          </a:fillRef>
+          <a:effectRef idx="0">
+            <a:schemeClr val="accent1"/>
+          </a:effectRef>
+          <a:fontRef idx="minor">
+            <a:schemeClr val="tx1"/>
+          </a:fontRef>
+        </p:style>
+      </p:cxnSp>
+      <p:cxnSp>
+        <p:nvCxnSpPr>
+          <p:cNvPr id="41" name="Straight Arrow Connector 40">
+            <a:extLst>
+              <a:ext uri="{FF2B5EF4-FFF2-40B4-BE49-F238E27FC236}">
+                <a16:creationId xmlns:a16="http://schemas.microsoft.com/office/drawing/2014/main" id="{D2230BA9-3312-4045-9EB5-C7B8A5DBE036}"/>
+              </a:ext>
+            </a:extLst>
+          </p:cNvPr>
+          <p:cNvCxnSpPr>
+            <a:cxnSpLocks/>
+          </p:cNvCxnSpPr>
+          <p:nvPr/>
+        </p:nvCxnSpPr>
+        <p:spPr>
+          <a:xfrm flipV="1">
+            <a:off x="7955420" y="3356932"/>
+            <a:ext cx="0" cy="930140"/>
+          </a:xfrm>
+          <a:prstGeom prst="straightConnector1">
+            <a:avLst/>
+          </a:prstGeom>
+          <a:ln w="63500">
+            <a:solidFill>
+              <a:srgbClr val="545B64"/>
+            </a:solidFill>
+            <a:headEnd type="none" w="med" len="sm"/>
+            <a:tailEnd type="none" w="med" len="sm"/>
+          </a:ln>
+        </p:spPr>
+        <p:style>
+          <a:lnRef idx="1">
+            <a:schemeClr val="accent1"/>
+          </a:lnRef>
+          <a:fillRef idx="0">
+            <a:schemeClr val="accent1"/>
+          </a:fillRef>
+          <a:effectRef idx="0">
+            <a:schemeClr val="accent1"/>
+          </a:effectRef>
+          <a:fontRef idx="minor">
+            <a:schemeClr val="tx1"/>
+          </a:fontRef>
+        </p:style>
+      </p:cxnSp>
+      <p:cxnSp>
+        <p:nvCxnSpPr>
+          <p:cNvPr id="43" name="Straight Arrow Connector 42">
+            <a:extLst>
+              <a:ext uri="{FF2B5EF4-FFF2-40B4-BE49-F238E27FC236}">
+                <a16:creationId xmlns:a16="http://schemas.microsoft.com/office/drawing/2014/main" id="{54B8DB73-480F-0A42-9BB5-19B6C8FA13F9}"/>
+              </a:ext>
+            </a:extLst>
+          </p:cNvPr>
+          <p:cNvCxnSpPr>
+            <a:cxnSpLocks/>
+          </p:cNvCxnSpPr>
+          <p:nvPr/>
+        </p:nvCxnSpPr>
+        <p:spPr>
+          <a:xfrm flipH="1">
+            <a:off x="7184568" y="695984"/>
+            <a:ext cx="758952" cy="0"/>
+          </a:xfrm>
+          <a:prstGeom prst="straightConnector1">
+            <a:avLst/>
+          </a:prstGeom>
+          <a:ln w="63500">
+            <a:solidFill>
+              <a:srgbClr val="545B64"/>
+            </a:solidFill>
+            <a:headEnd type="none" w="med" len="sm"/>
+            <a:tailEnd type="none" w="med" len="sm"/>
+          </a:ln>
+        </p:spPr>
+        <p:style>
+          <a:lnRef idx="1">
+            <a:schemeClr val="accent1"/>
+          </a:lnRef>
+          <a:fillRef idx="0">
+            <a:schemeClr val="accent1"/>
+          </a:fillRef>
+          <a:effectRef idx="0">
+            <a:schemeClr val="accent1"/>
+          </a:effectRef>
+          <a:fontRef idx="minor">
+            <a:schemeClr val="tx1"/>
+          </a:fontRef>
+        </p:style>
+      </p:cxnSp>
+    </p:spTree>
+    <p:extLst>
+      <p:ext uri="{BB962C8B-B14F-4D97-AF65-F5344CB8AC3E}">
+        <p14:creationId xmlns:p14="http://schemas.microsoft.com/office/powerpoint/2010/main" val="3862363448"/>
+      </p:ext>
+    </p:extLst>
+  </p:cSld>
+  <p:clrMapOvr>
+    <a:masterClrMapping/>
+  </p:clrMapOvr>
+</p:sld>
+</file>
+
+<file path=ppt/slides/slide5.xml><?xml version="1.0" encoding="utf-8"?>
+<p:sld xmlns:a="http://schemas.openxmlformats.org/drawingml/2006/main" xmlns:r="http://schemas.openxmlformats.org/officeDocument/2006/relationships" xmlns:p="http://schemas.openxmlformats.org/presentationml/2006/main">
+  <p:cSld>
+    <p:spTree>
+      <p:nvGrpSpPr>
+        <p:cNvPr id="1" name=""/>
+        <p:cNvGrpSpPr/>
+        <p:nvPr/>
+      </p:nvGrpSpPr>
+      <p:grpSpPr>
+        <a:xfrm>
+          <a:off x="0" y="0"/>
+          <a:ext cx="0" cy="0"/>
+          <a:chOff x="0" y="0"/>
+          <a:chExt cx="0" cy="0"/>
+        </a:xfrm>
+      </p:grpSpPr>
+      <p:sp>
+        <p:nvSpPr>
+          <p:cNvPr id="2" name="Title 1">
+            <a:extLst>
+              <a:ext uri="{FF2B5EF4-FFF2-40B4-BE49-F238E27FC236}">
+                <a16:creationId xmlns:a16="http://schemas.microsoft.com/office/drawing/2014/main" id="{885A16C1-CAD2-DD40-AF3C-4CC6AB12C9D7}"/>
+              </a:ext>
+            </a:extLst>
+          </p:cNvPr>
+          <p:cNvSpPr>
+            <a:spLocks noGrp="1"/>
+          </p:cNvSpPr>
+          <p:nvPr>
+            <p:ph type="title"/>
+          </p:nvPr>
+        </p:nvSpPr>
+        <p:spPr/>
+        <p:txBody>
+          <a:bodyPr/>
+          <a:lstStyle/>
+          <a:p>
+            <a:endParaRPr lang="en-US"/>
+          </a:p>
+        </p:txBody>
+      </p:sp>
+      <p:sp>
+        <p:nvSpPr>
+          <p:cNvPr id="3" name="Content Placeholder 2">
+            <a:extLst>
+              <a:ext uri="{FF2B5EF4-FFF2-40B4-BE49-F238E27FC236}">
+                <a16:creationId xmlns:a16="http://schemas.microsoft.com/office/drawing/2014/main" id="{11BAC2BB-6AC6-8A4E-82A2-C77B9008410E}"/>
+              </a:ext>
+            </a:extLst>
+          </p:cNvPr>
+          <p:cNvSpPr>
+            <a:spLocks noGrp="1"/>
+          </p:cNvSpPr>
+          <p:nvPr>
+            <p:ph idx="1"/>
+          </p:nvPr>
+        </p:nvSpPr>
+        <p:spPr/>
+        <p:txBody>
+          <a:bodyPr/>
+          <a:lstStyle/>
+          <a:p>
+            <a:endParaRPr lang="en-US"/>
+          </a:p>
+        </p:txBody>
+      </p:sp>
+    </p:spTree>
+    <p:extLst>
+      <p:ext uri="{BB962C8B-B14F-4D97-AF65-F5344CB8AC3E}">
+        <p14:creationId xmlns:p14="http://schemas.microsoft.com/office/powerpoint/2010/main" val="2622285504"/>
+      </p:ext>
+    </p:extLst>
+  </p:cSld>
+  <p:clrMapOvr>
+    <a:masterClrMapping/>
+  </p:clrMapOvr>
+</p:sld>
+</file>
+
 <file path=ppt/theme/theme1.xml><?xml version="1.0" encoding="utf-8"?>
 <a:theme xmlns:a="http://schemas.openxmlformats.org/drawingml/2006/main" name="Office Theme">
   <a:themeElements>
